--- a/slides/WSTA_L13_discourse.pptx
+++ b/slides/WSTA_L13_discourse.pptx
@@ -5,7 +5,7 @@
     <p:sldMasterId id="2147483648" r:id="rId1"/>
   </p:sldMasterIdLst>
   <p:notesMasterIdLst>
-    <p:notesMasterId r:id="rId16"/>
+    <p:notesMasterId r:id="rId24"/>
   </p:notesMasterIdLst>
   <p:sldIdLst>
     <p:sldId id="256" r:id="rId2"/>
@@ -21,7 +21,15 @@
     <p:sldId id="286" r:id="rId12"/>
     <p:sldId id="287" r:id="rId13"/>
     <p:sldId id="288" r:id="rId14"/>
-    <p:sldId id="277" r:id="rId15"/>
+    <p:sldId id="289" r:id="rId15"/>
+    <p:sldId id="290" r:id="rId16"/>
+    <p:sldId id="291" r:id="rId17"/>
+    <p:sldId id="292" r:id="rId18"/>
+    <p:sldId id="293" r:id="rId19"/>
+    <p:sldId id="294" r:id="rId20"/>
+    <p:sldId id="295" r:id="rId21"/>
+    <p:sldId id="296" r:id="rId22"/>
+    <p:sldId id="277" r:id="rId23"/>
   </p:sldIdLst>
   <p:sldSz cx="13004800" cy="9753600"/>
   <p:notesSz cx="6858000" cy="9144000"/>
@@ -886,7 +894,7 @@
           </a:ln>
           <a:extLst>
             <a:ext uri="{C572A759-6A51-4108-AA02-DFA0A04FC94B}">
-              <ma14:wrappingTextBoxFlag xmlns:ma14="http://schemas.microsoft.com/office/mac/drawingml/2011/main" xmlns="" val="1"/>
+              <ma14:wrappingTextBoxFlag xmlns="" xmlns:ma14="http://schemas.microsoft.com/office/mac/drawingml/2011/main" val="1"/>
             </a:ext>
           </a:extLst>
         </p:spPr>
@@ -2564,7 +2572,7 @@
           </a:ln>
           <a:extLst>
             <a:ext uri="{C572A759-6A51-4108-AA02-DFA0A04FC94B}">
-              <ma14:wrappingTextBoxFlag xmlns:ma14="http://schemas.microsoft.com/office/mac/drawingml/2011/main" xmlns="" val="1"/>
+              <ma14:wrappingTextBoxFlag xmlns="" xmlns:ma14="http://schemas.microsoft.com/office/mac/drawingml/2011/main" val="1"/>
             </a:ext>
           </a:extLst>
         </p:spPr>
@@ -2604,7 +2612,7 @@
           </a:ln>
           <a:extLst>
             <a:ext uri="{C572A759-6A51-4108-AA02-DFA0A04FC94B}">
-              <ma14:wrappingTextBoxFlag xmlns:ma14="http://schemas.microsoft.com/office/mac/drawingml/2011/main" xmlns="" val="1"/>
+              <ma14:wrappingTextBoxFlag xmlns="" xmlns:ma14="http://schemas.microsoft.com/office/mac/drawingml/2011/main" val="1"/>
             </a:ext>
           </a:extLst>
         </p:spPr>
@@ -3715,7 +3723,7 @@
       </p:sp>
       <p:pic>
         <p:nvPicPr>
-          <p:cNvPr id="1026" name="Picture 2"/>
+          <p:cNvPr id="3" name="Picture 2"/>
           <p:cNvPicPr>
             <a:picLocks noChangeAspect="1" noChangeArrowheads="1"/>
           </p:cNvPicPr>
@@ -3736,8 +3744,8 @@
         </p:blipFill>
         <p:spPr bwMode="auto">
           <a:xfrm>
-            <a:off x="8086576" y="340296"/>
-            <a:ext cx="4320480" cy="4301278"/>
+            <a:off x="6005967" y="772344"/>
+            <a:ext cx="6998833" cy="2572544"/>
           </a:xfrm>
           <a:prstGeom prst="rect">
             <a:avLst/>
@@ -3917,37 +3925,33 @@
           <a:p>
             <a:r>
               <a:rPr lang="en-AU" dirty="0" smtClean="0"/>
-              <a:t>However, (which is also a discourse marker)</a:t>
-            </a:r>
+              <a:t>However, </a:t>
+            </a:r>
+            <a:r>
+              <a:rPr lang="en-AU" dirty="0" smtClean="0"/>
+              <a:t>(another discourse marker!)</a:t>
+            </a:r>
+            <a:endParaRPr lang="en-AU" dirty="0" smtClean="0"/>
           </a:p>
           <a:p>
             <a:pPr lvl="1"/>
             <a:r>
               <a:rPr lang="en-AU" dirty="0" smtClean="0"/>
-              <a:t>Many relations are not marked by discourse marker at </a:t>
-            </a:r>
-            <a:r>
-              <a:rPr lang="en-AU" dirty="0" smtClean="0"/>
-              <a:t>all</a:t>
+              <a:t>Many relations are not marked by discourse marker at all</a:t>
             </a:r>
           </a:p>
           <a:p>
             <a:pPr lvl="2"/>
             <a:r>
               <a:rPr lang="en-AU" dirty="0" smtClean="0"/>
-              <a:t>Particular at the supra-sentential level</a:t>
-            </a:r>
-            <a:endParaRPr lang="en-AU" dirty="0" smtClean="0"/>
+              <a:t>Particularly at the supra-sentential level</a:t>
+            </a:r>
           </a:p>
           <a:p>
             <a:pPr lvl="1"/>
             <a:r>
               <a:rPr lang="en-AU" dirty="0" smtClean="0"/>
-              <a:t>Many important discourse markers </a:t>
-            </a:r>
-            <a:r>
-              <a:rPr lang="en-AU" dirty="0" smtClean="0"/>
-              <a:t>(e.g. </a:t>
+              <a:t>Many important discourse markers (e.g. </a:t>
             </a:r>
             <a:r>
               <a:rPr lang="en-AU" i="1" dirty="0" smtClean="0"/>
@@ -3957,29 +3961,19 @@
               <a:rPr lang="en-AU" dirty="0" smtClean="0"/>
               <a:t>) ambiguous</a:t>
             </a:r>
-            <a:endParaRPr lang="en-AU" dirty="0" smtClean="0"/>
           </a:p>
           <a:p>
             <a:pPr lvl="2"/>
             <a:r>
               <a:rPr lang="en-AU" dirty="0" smtClean="0"/>
-              <a:t>Sometimes not a discourse </a:t>
-            </a:r>
-            <a:r>
-              <a:rPr lang="en-AU" dirty="0" smtClean="0"/>
-              <a:t>marker</a:t>
-            </a:r>
-            <a:endParaRPr lang="en-AU" dirty="0" smtClean="0"/>
+              <a:t>Sometimes not a discourse marker</a:t>
+            </a:r>
           </a:p>
           <a:p>
             <a:pPr lvl="2"/>
             <a:r>
               <a:rPr lang="en-AU" dirty="0" smtClean="0"/>
-              <a:t>Can signal </a:t>
-            </a:r>
-            <a:r>
-              <a:rPr lang="en-AU" dirty="0" smtClean="0"/>
-              <a:t>multiple relations</a:t>
+              <a:t>Can signal multiple relations</a:t>
             </a:r>
           </a:p>
         </p:txBody>
@@ -4041,11 +4035,7 @@
           <a:p>
             <a:r>
               <a:rPr lang="en-AU" dirty="0" smtClean="0"/>
-              <a:t>Full-text </a:t>
-            </a:r>
-            <a:r>
-              <a:rPr lang="en-AU" dirty="0" smtClean="0"/>
-              <a:t>Discourse Parsing</a:t>
+              <a:t>Full-text Discourse Parsing</a:t>
             </a:r>
             <a:endParaRPr lang="en-AU" dirty="0"/>
           </a:p>
@@ -4074,7 +4064,7 @@
           <a:p>
             <a:r>
               <a:rPr lang="en-AU" dirty="0" smtClean="0"/>
-              <a:t>Most discourse parsers use a greedy approach</a:t>
+              <a:t>Most existing discourse parsers use a greedy approach</a:t>
             </a:r>
           </a:p>
           <a:p>
@@ -4101,7 +4091,15 @@
             <a:pPr lvl="1"/>
             <a:r>
               <a:rPr lang="en-AU" dirty="0" smtClean="0"/>
-              <a:t>Combine most probable EDU to a single DU</a:t>
+              <a:t>Combine most probable </a:t>
+            </a:r>
+            <a:r>
+              <a:rPr lang="en-AU" dirty="0" smtClean="0"/>
+              <a:t>into </a:t>
+            </a:r>
+            <a:r>
+              <a:rPr lang="en-AU" dirty="0" smtClean="0"/>
+              <a:t>a single DU</a:t>
             </a:r>
           </a:p>
           <a:p>
@@ -4203,26 +4201,27 @@
           <a:p>
             <a:r>
               <a:rPr lang="en-AU" dirty="0" smtClean="0"/>
-              <a:t>Text location</a:t>
-            </a:r>
-          </a:p>
-          <a:p>
-            <a:r>
-              <a:rPr lang="en-AU" dirty="0" smtClean="0"/>
               <a:t>Starting/ending </a:t>
             </a:r>
             <a:r>
-              <a:rPr lang="en-AU" i="1" dirty="0"/>
-              <a:t>n</a:t>
-            </a:r>
-            <a:r>
               <a:rPr lang="en-AU" i="1" dirty="0" smtClean="0"/>
-              <a:t>-</a:t>
+              <a:t>n-</a:t>
             </a:r>
             <a:r>
               <a:rPr lang="en-AU" dirty="0" smtClean="0"/>
               <a:t>grams</a:t>
             </a:r>
+          </a:p>
+          <a:p>
+            <a:r>
+              <a:rPr lang="en-AU" dirty="0" smtClean="0"/>
+              <a:t>L</a:t>
+            </a:r>
+            <a:r>
+              <a:rPr lang="en-AU" dirty="0" smtClean="0"/>
+              <a:t>ocation in the text</a:t>
+            </a:r>
+            <a:endParaRPr lang="en-AU" dirty="0" smtClean="0"/>
           </a:p>
           <a:p>
             <a:r>
@@ -4264,6 +4263,13 @@
     <a:masterClrMapping/>
   </p:clrMapOvr>
   <p:transition spd="med"/>
+  <p:timing>
+    <p:tnLst>
+      <p:par>
+        <p:cTn id="1" dur="indefinite" restart="never" nodeType="tmRoot"/>
+      </p:par>
+    </p:tnLst>
+  </p:timing>
 </p:sld>
 </file>
 
@@ -4337,14 +4343,30 @@
           </a:p>
           <a:p>
             <a:r>
-              <a:rPr lang="en-AU" dirty="0" smtClean="0"/>
-              <a:t>Argumentation</a:t>
+              <a:rPr lang="en-AU" dirty="0"/>
+              <a:t>A</a:t>
+            </a:r>
+            <a:r>
+              <a:rPr lang="en-AU" dirty="0" smtClean="0"/>
+              <a:t>rgumentation</a:t>
             </a:r>
           </a:p>
           <a:p>
             <a:r>
               <a:rPr lang="en-AU" dirty="0" smtClean="0"/>
               <a:t>Authorship attribution</a:t>
+            </a:r>
+          </a:p>
+          <a:p>
+            <a:r>
+              <a:rPr lang="en-AU" dirty="0" smtClean="0"/>
+              <a:t>Essay scoring</a:t>
+            </a:r>
+          </a:p>
+          <a:p>
+            <a:r>
+              <a:rPr lang="en-AU" dirty="0" smtClean="0"/>
+              <a:t>Anaphor resolution</a:t>
             </a:r>
           </a:p>
           <a:p>
@@ -4366,6 +4388,13 @@
     <a:masterClrMapping/>
   </p:clrMapOvr>
   <p:transition spd="med"/>
+  <p:timing>
+    <p:tnLst>
+      <p:par>
+        <p:cTn id="1" dur="indefinite" restart="never" nodeType="tmRoot"/>
+      </p:par>
+    </p:tnLst>
+  </p:timing>
 </p:sld>
 </file>
 
@@ -4405,7 +4434,7 @@
           <a:p>
             <a:r>
               <a:rPr lang="en-AU" dirty="0" smtClean="0"/>
-              <a:t>Further reading</a:t>
+              <a:t>Anaphors</a:t>
             </a:r>
             <a:endParaRPr lang="en-AU" dirty="0"/>
           </a:p>
@@ -4427,25 +4456,1713 @@
           <a:lstStyle/>
           <a:p>
             <a:r>
-              <a:rPr lang="en-AU" dirty="0" smtClean="0"/>
-              <a:t>J&amp;M3, </a:t>
-            </a:r>
-            <a:r>
-              <a:rPr lang="en-AU" dirty="0" err="1" smtClean="0"/>
-              <a:t>Ch</a:t>
-            </a:r>
-            <a:r>
-              <a:rPr lang="en-AU" dirty="0" smtClean="0"/>
-              <a:t> 28</a:t>
+              <a:rPr lang="en-AU" b="1" dirty="0" smtClean="0"/>
+              <a:t>Anaphor</a:t>
+            </a:r>
+            <a:r>
+              <a:rPr lang="en-AU" dirty="0" smtClean="0"/>
+              <a:t>: linguistic expressions that refer back to earlier elements in the text</a:t>
+            </a:r>
+          </a:p>
+          <a:p>
+            <a:r>
+              <a:rPr lang="en-AU" dirty="0" smtClean="0"/>
+              <a:t>Anaphors have a </a:t>
+            </a:r>
+            <a:r>
+              <a:rPr lang="en-AU" b="1" dirty="0" smtClean="0"/>
+              <a:t>antecedent</a:t>
+            </a:r>
+            <a:r>
+              <a:rPr lang="en-AU" dirty="0" smtClean="0"/>
+              <a:t> in the discourse, often but not always a noun phrase</a:t>
             </a:r>
             <a:endParaRPr lang="en-AU" dirty="0"/>
+          </a:p>
+          <a:p>
+            <a:pPr marL="0" indent="0">
+              <a:buNone/>
+            </a:pPr>
+            <a:r>
+              <a:rPr lang="en-AU" i="1" dirty="0" smtClean="0">
+                <a:solidFill>
+                  <a:schemeClr val="bg1"/>
+                </a:solidFill>
+              </a:rPr>
+              <a:t>Yesterday</a:t>
+            </a:r>
+            <a:r>
+              <a:rPr lang="en-AU" i="1" dirty="0">
+                <a:solidFill>
+                  <a:schemeClr val="bg1"/>
+                </a:solidFill>
+              </a:rPr>
+              <a:t>, Ted was late for work. </a:t>
+            </a:r>
+            <a:r>
+              <a:rPr lang="en-AU" i="1" dirty="0" smtClean="0">
+                <a:solidFill>
+                  <a:srgbClr val="FF0000"/>
+                </a:solidFill>
+              </a:rPr>
+              <a:t>It</a:t>
+            </a:r>
+            <a:r>
+              <a:rPr lang="en-AU" i="1" dirty="0" smtClean="0">
+                <a:solidFill>
+                  <a:schemeClr val="bg1"/>
+                </a:solidFill>
+              </a:rPr>
+              <a:t> </a:t>
+            </a:r>
+            <a:r>
+              <a:rPr lang="en-AU" i="1" dirty="0">
+                <a:solidFill>
+                  <a:schemeClr val="bg1"/>
+                </a:solidFill>
+              </a:rPr>
+              <a:t>all started when </a:t>
+            </a:r>
+            <a:r>
+              <a:rPr lang="en-AU" i="1" dirty="0">
+                <a:solidFill>
+                  <a:srgbClr val="FF0000"/>
+                </a:solidFill>
+              </a:rPr>
+              <a:t>his</a:t>
+            </a:r>
+            <a:r>
+              <a:rPr lang="en-AU" i="1" dirty="0">
+                <a:solidFill>
+                  <a:schemeClr val="bg1"/>
+                </a:solidFill>
+              </a:rPr>
+              <a:t> car wouldn’t start</a:t>
+            </a:r>
+            <a:r>
+              <a:rPr lang="en-AU" i="1" dirty="0" smtClean="0">
+                <a:solidFill>
+                  <a:schemeClr val="bg1"/>
+                </a:solidFill>
+              </a:rPr>
+              <a:t>.</a:t>
+            </a:r>
+            <a:endParaRPr lang="en-AU" i="1" dirty="0"/>
+          </a:p>
+          <a:p>
+            <a:r>
+              <a:rPr lang="en-AU" dirty="0" smtClean="0"/>
+              <a:t>Pronouns are the most common anaphor</a:t>
+            </a:r>
+          </a:p>
+          <a:p>
+            <a:r>
+              <a:rPr lang="en-AU" dirty="0" smtClean="0">
+                <a:solidFill>
+                  <a:schemeClr val="bg1"/>
+                </a:solidFill>
+              </a:rPr>
+              <a:t>But there are various others</a:t>
+            </a:r>
+          </a:p>
+          <a:p>
+            <a:pPr lvl="1"/>
+            <a:r>
+              <a:rPr lang="en-AU" dirty="0" smtClean="0">
+                <a:solidFill>
+                  <a:schemeClr val="bg1"/>
+                </a:solidFill>
+              </a:rPr>
+              <a:t>Demonstratives (</a:t>
+            </a:r>
+            <a:r>
+              <a:rPr lang="en-AU" i="1" dirty="0" smtClean="0">
+                <a:solidFill>
+                  <a:schemeClr val="bg1"/>
+                </a:solidFill>
+              </a:rPr>
+              <a:t>that problem</a:t>
+            </a:r>
+            <a:r>
+              <a:rPr lang="en-AU" dirty="0" smtClean="0">
+                <a:solidFill>
+                  <a:schemeClr val="bg1"/>
+                </a:solidFill>
+              </a:rPr>
+              <a:t>)</a:t>
+            </a:r>
+          </a:p>
+          <a:p>
+            <a:pPr lvl="1"/>
+            <a:r>
+              <a:rPr lang="en-AU" dirty="0" err="1" smtClean="0">
+                <a:solidFill>
+                  <a:schemeClr val="bg1"/>
+                </a:solidFill>
+              </a:rPr>
+              <a:t>Definites</a:t>
+            </a:r>
+            <a:r>
+              <a:rPr lang="en-AU" dirty="0" smtClean="0">
+                <a:solidFill>
+                  <a:schemeClr val="bg1"/>
+                </a:solidFill>
+              </a:rPr>
+              <a:t> (</a:t>
+            </a:r>
+            <a:r>
+              <a:rPr lang="en-AU" i="1" dirty="0" smtClean="0">
+                <a:solidFill>
+                  <a:schemeClr val="bg1"/>
+                </a:solidFill>
+              </a:rPr>
+              <a:t>the problem</a:t>
+            </a:r>
+            <a:r>
+              <a:rPr lang="en-AU" dirty="0" smtClean="0">
+                <a:solidFill>
+                  <a:schemeClr val="bg1"/>
+                </a:solidFill>
+              </a:rPr>
+              <a:t>)</a:t>
+            </a:r>
+            <a:endParaRPr lang="en-AU" dirty="0">
+              <a:solidFill>
+                <a:schemeClr val="bg1"/>
+              </a:solidFill>
+            </a:endParaRPr>
           </a:p>
         </p:txBody>
       </p:sp>
     </p:spTree>
     <p:extLst>
       <p:ext uri="{BB962C8B-B14F-4D97-AF65-F5344CB8AC3E}">
-        <p14:creationId xmlns:p14="http://schemas.microsoft.com/office/powerpoint/2010/main" val="1460751259"/>
+        <p14:creationId xmlns:p14="http://schemas.microsoft.com/office/powerpoint/2010/main" val="1174770279"/>
+      </p:ext>
+    </p:extLst>
+  </p:cSld>
+  <p:clrMapOvr>
+    <a:masterClrMapping/>
+  </p:clrMapOvr>
+  <p:transition spd="med"/>
+  <p:timing>
+    <p:tnLst>
+      <p:par>
+        <p:cTn id="1" dur="indefinite" restart="never" nodeType="tmRoot"/>
+      </p:par>
+    </p:tnLst>
+  </p:timing>
+</p:sld>
+</file>
+
+<file path=ppt/slides/slide15.xml><?xml version="1.0" encoding="utf-8"?>
+<p:sld xmlns:a="http://schemas.openxmlformats.org/drawingml/2006/main" xmlns:r="http://schemas.openxmlformats.org/officeDocument/2006/relationships" xmlns:p="http://schemas.openxmlformats.org/presentationml/2006/main">
+  <p:cSld>
+    <p:spTree>
+      <p:nvGrpSpPr>
+        <p:cNvPr id="1" name=""/>
+        <p:cNvGrpSpPr/>
+        <p:nvPr/>
+      </p:nvGrpSpPr>
+      <p:grpSpPr>
+        <a:xfrm>
+          <a:off x="0" y="0"/>
+          <a:ext cx="0" cy="0"/>
+          <a:chOff x="0" y="0"/>
+          <a:chExt cx="0" cy="0"/>
+        </a:xfrm>
+      </p:grpSpPr>
+      <p:sp>
+        <p:nvSpPr>
+          <p:cNvPr id="2" name="Title 1"/>
+          <p:cNvSpPr>
+            <a:spLocks noGrp="1"/>
+          </p:cNvSpPr>
+          <p:nvPr>
+            <p:ph type="title"/>
+          </p:nvPr>
+        </p:nvSpPr>
+        <p:spPr/>
+        <p:txBody>
+          <a:bodyPr>
+            <a:normAutofit fontScale="90000"/>
+          </a:bodyPr>
+          <a:lstStyle/>
+          <a:p>
+            <a:r>
+              <a:rPr lang="en-AU" dirty="0" smtClean="0"/>
+              <a:t>Antecedent Restrictions</a:t>
+            </a:r>
+            <a:endParaRPr lang="en-AU" dirty="0"/>
+          </a:p>
+        </p:txBody>
+      </p:sp>
+      <p:sp>
+        <p:nvSpPr>
+          <p:cNvPr id="3" name="Text Placeholder 2"/>
+          <p:cNvSpPr>
+            <a:spLocks noGrp="1"/>
+          </p:cNvSpPr>
+          <p:nvPr>
+            <p:ph type="body" idx="1"/>
+          </p:nvPr>
+        </p:nvSpPr>
+        <p:spPr/>
+        <p:txBody>
+          <a:bodyPr>
+            <a:normAutofit/>
+          </a:bodyPr>
+          <a:lstStyle/>
+          <a:p>
+            <a:r>
+              <a:rPr lang="en-AU" dirty="0" smtClean="0"/>
+              <a:t>Pronouns must agree in </a:t>
+            </a:r>
+            <a:r>
+              <a:rPr lang="en-AU" i="1" dirty="0" smtClean="0"/>
+              <a:t>number</a:t>
+            </a:r>
+            <a:r>
+              <a:rPr lang="en-AU" dirty="0" smtClean="0"/>
+              <a:t> with their antecedents</a:t>
+            </a:r>
+          </a:p>
+          <a:p>
+            <a:pPr marL="0" indent="0">
+              <a:buNone/>
+            </a:pPr>
+            <a:r>
+              <a:rPr lang="en-AU" i="1" dirty="0" smtClean="0">
+                <a:solidFill>
+                  <a:srgbClr val="002060"/>
+                </a:solidFill>
+              </a:rPr>
+              <a:t>His </a:t>
+            </a:r>
+            <a:r>
+              <a:rPr lang="en-AU" i="1" dirty="0" err="1" smtClean="0">
+                <a:solidFill>
+                  <a:srgbClr val="002060"/>
+                </a:solidFill>
+              </a:rPr>
+              <a:t>coworkers</a:t>
+            </a:r>
+            <a:r>
+              <a:rPr lang="en-AU" i="1" dirty="0" smtClean="0">
+                <a:solidFill>
+                  <a:srgbClr val="002060"/>
+                </a:solidFill>
+              </a:rPr>
+              <a:t> </a:t>
+            </a:r>
+            <a:r>
+              <a:rPr lang="en-AU" i="1" dirty="0" smtClean="0"/>
+              <a:t>were leaving for lunch when </a:t>
+            </a:r>
+            <a:r>
+              <a:rPr lang="en-AU" i="1" dirty="0" smtClean="0">
+                <a:solidFill>
+                  <a:srgbClr val="002060"/>
+                </a:solidFill>
+              </a:rPr>
+              <a:t>Ted</a:t>
+            </a:r>
+            <a:r>
+              <a:rPr lang="en-AU" i="1" dirty="0" smtClean="0"/>
+              <a:t> arrived. </a:t>
+            </a:r>
+            <a:r>
+              <a:rPr lang="en-AU" i="1" dirty="0" smtClean="0">
+                <a:solidFill>
+                  <a:srgbClr val="FF0000"/>
+                </a:solidFill>
+              </a:rPr>
+              <a:t>They</a:t>
+            </a:r>
+            <a:r>
+              <a:rPr lang="en-AU" i="1" dirty="0" smtClean="0"/>
+              <a:t> invited him, but he said no.</a:t>
+            </a:r>
+          </a:p>
+          <a:p>
+            <a:r>
+              <a:rPr lang="en-AU" dirty="0" smtClean="0"/>
+              <a:t>Pronouns must agree in </a:t>
+            </a:r>
+            <a:r>
+              <a:rPr lang="en-AU" i="1" dirty="0" smtClean="0"/>
+              <a:t>gender</a:t>
+            </a:r>
+            <a:r>
+              <a:rPr lang="en-AU" dirty="0" smtClean="0"/>
+              <a:t> with their antecedents</a:t>
+            </a:r>
+          </a:p>
+          <a:p>
+            <a:pPr marL="0" lvl="1" indent="0">
+              <a:spcBef>
+                <a:spcPts val="2600"/>
+              </a:spcBef>
+              <a:buNone/>
+            </a:pPr>
+            <a:r>
+              <a:rPr lang="en-AU" sz="3400" i="1" dirty="0" smtClean="0">
+                <a:solidFill>
+                  <a:srgbClr val="002060"/>
+                </a:solidFill>
+              </a:rPr>
+              <a:t>Sue</a:t>
+            </a:r>
+            <a:r>
+              <a:rPr lang="en-AU" sz="3400" i="1" dirty="0" smtClean="0"/>
+              <a:t> was </a:t>
+            </a:r>
+            <a:r>
+              <a:rPr lang="en-AU" sz="3400" i="1" dirty="0"/>
+              <a:t>leaving for lunch when </a:t>
+            </a:r>
+            <a:r>
+              <a:rPr lang="en-AU" sz="3400" i="1" dirty="0">
+                <a:solidFill>
+                  <a:srgbClr val="002060"/>
+                </a:solidFill>
+              </a:rPr>
+              <a:t>Ted</a:t>
+            </a:r>
+            <a:r>
+              <a:rPr lang="en-AU" sz="3400" i="1" dirty="0"/>
+              <a:t> arrived. </a:t>
+            </a:r>
+            <a:r>
+              <a:rPr lang="en-AU" sz="3400" i="1" dirty="0" smtClean="0">
+                <a:solidFill>
+                  <a:srgbClr val="FF0000"/>
+                </a:solidFill>
+              </a:rPr>
+              <a:t>She</a:t>
+            </a:r>
+            <a:r>
+              <a:rPr lang="en-AU" sz="3400" i="1" dirty="0" smtClean="0"/>
+              <a:t> </a:t>
+            </a:r>
+            <a:r>
+              <a:rPr lang="en-AU" sz="3400" i="1" dirty="0"/>
+              <a:t>invited him, but he said no</a:t>
+            </a:r>
+            <a:r>
+              <a:rPr lang="en-AU" sz="3400" i="1" dirty="0" smtClean="0"/>
+              <a:t>.</a:t>
+            </a:r>
+            <a:endParaRPr lang="en-AU" sz="3400" i="1" dirty="0"/>
+          </a:p>
+          <a:p>
+            <a:r>
+              <a:rPr lang="en-AU" dirty="0" smtClean="0"/>
+              <a:t>Pronouns whose </a:t>
+            </a:r>
+            <a:r>
+              <a:rPr lang="en-AU" dirty="0" err="1" smtClean="0"/>
+              <a:t>antecendents</a:t>
+            </a:r>
+            <a:r>
+              <a:rPr lang="en-AU" dirty="0" smtClean="0"/>
+              <a:t> are the subject of the same syntactic clause must be reflexive</a:t>
+            </a:r>
+          </a:p>
+          <a:p>
+            <a:pPr marL="0" indent="0">
+              <a:buNone/>
+            </a:pPr>
+            <a:r>
+              <a:rPr lang="en-AU" i="1" dirty="0" smtClean="0">
+                <a:solidFill>
+                  <a:srgbClr val="002060"/>
+                </a:solidFill>
+              </a:rPr>
+              <a:t>Ted</a:t>
+            </a:r>
+            <a:r>
+              <a:rPr lang="en-AU" i="1" dirty="0" smtClean="0"/>
+              <a:t> was angry at </a:t>
+            </a:r>
+            <a:r>
+              <a:rPr lang="en-AU" i="1" dirty="0" smtClean="0">
+                <a:solidFill>
+                  <a:srgbClr val="FF0000"/>
+                </a:solidFill>
+              </a:rPr>
+              <a:t>him</a:t>
+            </a:r>
+            <a:r>
+              <a:rPr lang="en-AU" i="1" dirty="0" smtClean="0"/>
+              <a:t>.   </a:t>
+            </a:r>
+            <a:r>
+              <a:rPr lang="en-AU" dirty="0" smtClean="0"/>
+              <a:t>[</a:t>
+            </a:r>
+            <a:r>
+              <a:rPr lang="en-AU" i="1" dirty="0" smtClean="0"/>
+              <a:t>him</a:t>
+            </a:r>
+            <a:r>
+              <a:rPr lang="en-AU" dirty="0" smtClean="0"/>
+              <a:t> ≠ Ted]</a:t>
+            </a:r>
+            <a:br>
+              <a:rPr lang="en-AU" dirty="0" smtClean="0"/>
+            </a:br>
+            <a:r>
+              <a:rPr lang="en-AU" i="1" dirty="0" smtClean="0">
+                <a:solidFill>
+                  <a:srgbClr val="002060"/>
+                </a:solidFill>
+              </a:rPr>
+              <a:t>Ted</a:t>
+            </a:r>
+            <a:r>
+              <a:rPr lang="en-AU" i="1" dirty="0" smtClean="0"/>
+              <a:t> was angry at </a:t>
+            </a:r>
+            <a:r>
+              <a:rPr lang="en-AU" i="1" dirty="0" smtClean="0">
+                <a:solidFill>
+                  <a:srgbClr val="FF0000"/>
+                </a:solidFill>
+              </a:rPr>
+              <a:t>himself</a:t>
+            </a:r>
+            <a:r>
+              <a:rPr lang="en-AU" i="1" dirty="0" smtClean="0"/>
+              <a:t>. </a:t>
+            </a:r>
+            <a:r>
+              <a:rPr lang="en-AU" dirty="0" smtClean="0"/>
+              <a:t>[</a:t>
+            </a:r>
+            <a:r>
+              <a:rPr lang="en-AU" i="1" dirty="0" smtClean="0"/>
+              <a:t>himself</a:t>
+            </a:r>
+            <a:r>
+              <a:rPr lang="en-AU" dirty="0" smtClean="0"/>
+              <a:t> = Ted]</a:t>
+            </a:r>
+            <a:endParaRPr lang="en-AU" i="1" dirty="0" smtClean="0"/>
+          </a:p>
+        </p:txBody>
+      </p:sp>
+    </p:spTree>
+    <p:extLst>
+      <p:ext uri="{BB962C8B-B14F-4D97-AF65-F5344CB8AC3E}">
+        <p14:creationId xmlns:p14="http://schemas.microsoft.com/office/powerpoint/2010/main" val="1051209516"/>
+      </p:ext>
+    </p:extLst>
+  </p:cSld>
+  <p:clrMapOvr>
+    <a:masterClrMapping/>
+  </p:clrMapOvr>
+  <p:transition spd="med"/>
+  <p:timing>
+    <p:tnLst>
+      <p:par>
+        <p:cTn id="1" dur="indefinite" restart="never" nodeType="tmRoot"/>
+      </p:par>
+    </p:tnLst>
+  </p:timing>
+</p:sld>
+</file>
+
+<file path=ppt/slides/slide16.xml><?xml version="1.0" encoding="utf-8"?>
+<p:sld xmlns:a="http://schemas.openxmlformats.org/drawingml/2006/main" xmlns:r="http://schemas.openxmlformats.org/officeDocument/2006/relationships" xmlns:p="http://schemas.openxmlformats.org/presentationml/2006/main">
+  <p:cSld>
+    <p:spTree>
+      <p:nvGrpSpPr>
+        <p:cNvPr id="1" name=""/>
+        <p:cNvGrpSpPr/>
+        <p:nvPr/>
+      </p:nvGrpSpPr>
+      <p:grpSpPr>
+        <a:xfrm>
+          <a:off x="0" y="0"/>
+          <a:ext cx="0" cy="0"/>
+          <a:chOff x="0" y="0"/>
+          <a:chExt cx="0" cy="0"/>
+        </a:xfrm>
+      </p:grpSpPr>
+      <p:sp>
+        <p:nvSpPr>
+          <p:cNvPr id="2" name="Title 1"/>
+          <p:cNvSpPr>
+            <a:spLocks noGrp="1"/>
+          </p:cNvSpPr>
+          <p:nvPr>
+            <p:ph type="title"/>
+          </p:nvPr>
+        </p:nvSpPr>
+        <p:spPr/>
+        <p:txBody>
+          <a:bodyPr>
+            <a:normAutofit fontScale="90000"/>
+          </a:bodyPr>
+          <a:lstStyle/>
+          <a:p>
+            <a:r>
+              <a:rPr lang="en-AU" dirty="0"/>
+              <a:t>Antecedent </a:t>
+            </a:r>
+            <a:r>
+              <a:rPr lang="en-AU" dirty="0" smtClean="0"/>
+              <a:t>Preferences</a:t>
+            </a:r>
+            <a:endParaRPr lang="en-AU" dirty="0"/>
+          </a:p>
+        </p:txBody>
+      </p:sp>
+      <p:sp>
+        <p:nvSpPr>
+          <p:cNvPr id="3" name="Text Placeholder 2"/>
+          <p:cNvSpPr>
+            <a:spLocks noGrp="1"/>
+          </p:cNvSpPr>
+          <p:nvPr>
+            <p:ph type="body" idx="1"/>
+          </p:nvPr>
+        </p:nvSpPr>
+        <p:spPr/>
+        <p:txBody>
+          <a:bodyPr/>
+          <a:lstStyle/>
+          <a:p>
+            <a:r>
+              <a:rPr lang="en-AU" dirty="0"/>
+              <a:t>The antecedent should satisfy the </a:t>
+            </a:r>
+            <a:r>
+              <a:rPr lang="en-AU" dirty="0" err="1"/>
+              <a:t>selectional</a:t>
+            </a:r>
+            <a:r>
+              <a:rPr lang="en-AU" dirty="0"/>
+              <a:t> preferences of the verb</a:t>
+            </a:r>
+          </a:p>
+          <a:p>
+            <a:r>
+              <a:rPr lang="en-AU" dirty="0" smtClean="0"/>
+              <a:t>The antecedents of pronouns should be recent</a:t>
+            </a:r>
+          </a:p>
+          <a:p>
+            <a:pPr marL="0" indent="0">
+              <a:buNone/>
+            </a:pPr>
+            <a:r>
+              <a:rPr lang="en-AU" i="1" dirty="0" smtClean="0">
+                <a:solidFill>
+                  <a:schemeClr val="bg1"/>
+                </a:solidFill>
+              </a:rPr>
+              <a:t>He waited </a:t>
+            </a:r>
+            <a:r>
+              <a:rPr lang="en-AU" i="1" dirty="0">
+                <a:solidFill>
+                  <a:schemeClr val="bg1"/>
+                </a:solidFill>
+              </a:rPr>
+              <a:t>for another 20 minutes, but </a:t>
+            </a:r>
+            <a:r>
+              <a:rPr lang="en-AU" i="1" dirty="0">
+                <a:solidFill>
+                  <a:srgbClr val="0070C0"/>
+                </a:solidFill>
+              </a:rPr>
+              <a:t>the tram </a:t>
+            </a:r>
+            <a:r>
+              <a:rPr lang="en-AU" i="1" dirty="0">
+                <a:solidFill>
+                  <a:schemeClr val="bg1"/>
+                </a:solidFill>
+              </a:rPr>
+              <a:t>didn’t come. </a:t>
+            </a:r>
+            <a:r>
+              <a:rPr lang="en-AU" i="1" dirty="0" smtClean="0">
+                <a:solidFill>
+                  <a:schemeClr val="bg1"/>
+                </a:solidFill>
+              </a:rPr>
+              <a:t>So </a:t>
+            </a:r>
+            <a:r>
+              <a:rPr lang="en-AU" i="1" dirty="0">
+                <a:solidFill>
+                  <a:schemeClr val="bg1"/>
+                </a:solidFill>
+              </a:rPr>
+              <a:t>he walked home and got </a:t>
+            </a:r>
+            <a:r>
+              <a:rPr lang="en-AU" i="1" dirty="0">
+                <a:solidFill>
+                  <a:srgbClr val="0070C0"/>
+                </a:solidFill>
+              </a:rPr>
+              <a:t>his bike </a:t>
+            </a:r>
+            <a:r>
+              <a:rPr lang="en-AU" i="1" dirty="0">
+                <a:solidFill>
+                  <a:schemeClr val="bg1"/>
+                </a:solidFill>
+              </a:rPr>
+              <a:t>out of </a:t>
+            </a:r>
+            <a:r>
+              <a:rPr lang="en-AU" i="1" dirty="0">
+                <a:solidFill>
+                  <a:srgbClr val="0070C0"/>
+                </a:solidFill>
+              </a:rPr>
+              <a:t>the garage</a:t>
+            </a:r>
+            <a:r>
+              <a:rPr lang="en-AU" i="1" dirty="0" smtClean="0">
+                <a:solidFill>
+                  <a:schemeClr val="bg1"/>
+                </a:solidFill>
+              </a:rPr>
+              <a:t>. He started riding </a:t>
+            </a:r>
+            <a:r>
+              <a:rPr lang="en-AU" i="1" dirty="0" smtClean="0">
+                <a:solidFill>
+                  <a:srgbClr val="FF0000"/>
+                </a:solidFill>
+              </a:rPr>
+              <a:t>it</a:t>
+            </a:r>
+            <a:r>
+              <a:rPr lang="en-AU" i="1" dirty="0" smtClean="0">
+                <a:solidFill>
+                  <a:schemeClr val="bg1"/>
+                </a:solidFill>
+              </a:rPr>
+              <a:t> to work.</a:t>
+            </a:r>
+            <a:endParaRPr lang="en-AU" i="1" dirty="0"/>
+          </a:p>
+          <a:p>
+            <a:r>
+              <a:rPr lang="en-AU" dirty="0"/>
+              <a:t>The antecedent </a:t>
+            </a:r>
+            <a:r>
+              <a:rPr lang="en-AU" dirty="0" smtClean="0"/>
+              <a:t>should be salient, as determined by grammatical position</a:t>
+            </a:r>
+          </a:p>
+          <a:p>
+            <a:pPr lvl="1"/>
+            <a:r>
+              <a:rPr lang="en-AU" dirty="0" smtClean="0"/>
+              <a:t>Subject &gt; object &gt; argument of preposition</a:t>
+            </a:r>
+            <a:endParaRPr lang="en-AU" i="1" dirty="0" smtClean="0">
+              <a:solidFill>
+                <a:srgbClr val="0070C0"/>
+              </a:solidFill>
+            </a:endParaRPr>
+          </a:p>
+          <a:p>
+            <a:pPr marL="0" indent="0">
+              <a:buNone/>
+            </a:pPr>
+            <a:r>
+              <a:rPr lang="en-AU" i="1" dirty="0" smtClean="0">
+                <a:solidFill>
+                  <a:srgbClr val="0070C0"/>
+                </a:solidFill>
+              </a:rPr>
+              <a:t>Ted</a:t>
+            </a:r>
+            <a:r>
+              <a:rPr lang="en-AU" i="1" dirty="0" smtClean="0"/>
+              <a:t> usually rode to work with </a:t>
+            </a:r>
+            <a:r>
+              <a:rPr lang="en-AU" i="1" dirty="0" smtClean="0">
+                <a:solidFill>
+                  <a:srgbClr val="0070C0"/>
+                </a:solidFill>
+              </a:rPr>
+              <a:t>Bill</a:t>
+            </a:r>
+            <a:r>
+              <a:rPr lang="en-AU" i="1" dirty="0" smtClean="0"/>
+              <a:t>. </a:t>
+            </a:r>
+            <a:r>
+              <a:rPr lang="en-AU" i="1" dirty="0" smtClean="0">
+                <a:solidFill>
+                  <a:srgbClr val="C00000"/>
+                </a:solidFill>
+              </a:rPr>
+              <a:t>He</a:t>
+            </a:r>
+            <a:r>
+              <a:rPr lang="en-AU" i="1" dirty="0" smtClean="0"/>
+              <a:t> was never late.</a:t>
+            </a:r>
+          </a:p>
+          <a:p>
+            <a:pPr marL="0" indent="0">
+              <a:buNone/>
+            </a:pPr>
+            <a:endParaRPr lang="en-AU" i="1" dirty="0"/>
+          </a:p>
+        </p:txBody>
+      </p:sp>
+    </p:spTree>
+    <p:extLst>
+      <p:ext uri="{BB962C8B-B14F-4D97-AF65-F5344CB8AC3E}">
+        <p14:creationId xmlns:p14="http://schemas.microsoft.com/office/powerpoint/2010/main" val="416444977"/>
+      </p:ext>
+    </p:extLst>
+  </p:cSld>
+  <p:clrMapOvr>
+    <a:masterClrMapping/>
+  </p:clrMapOvr>
+  <p:transition spd="med"/>
+  <p:timing>
+    <p:tnLst>
+      <p:par>
+        <p:cTn id="1" dur="indefinite" restart="never" nodeType="tmRoot"/>
+      </p:par>
+    </p:tnLst>
+  </p:timing>
+</p:sld>
+</file>
+
+<file path=ppt/slides/slide17.xml><?xml version="1.0" encoding="utf-8"?>
+<p:sld xmlns:a="http://schemas.openxmlformats.org/drawingml/2006/main" xmlns:r="http://schemas.openxmlformats.org/officeDocument/2006/relationships" xmlns:p="http://schemas.openxmlformats.org/presentationml/2006/main">
+  <p:cSld>
+    <p:spTree>
+      <p:nvGrpSpPr>
+        <p:cNvPr id="1" name=""/>
+        <p:cNvGrpSpPr/>
+        <p:nvPr/>
+      </p:nvGrpSpPr>
+      <p:grpSpPr>
+        <a:xfrm>
+          <a:off x="0" y="0"/>
+          <a:ext cx="0" cy="0"/>
+          <a:chOff x="0" y="0"/>
+          <a:chExt cx="0" cy="0"/>
+        </a:xfrm>
+      </p:grpSpPr>
+      <p:sp>
+        <p:nvSpPr>
+          <p:cNvPr id="2" name="Title 1"/>
+          <p:cNvSpPr>
+            <a:spLocks noGrp="1"/>
+          </p:cNvSpPr>
+          <p:nvPr>
+            <p:ph type="title"/>
+          </p:nvPr>
+        </p:nvSpPr>
+        <p:spPr/>
+        <p:txBody>
+          <a:bodyPr>
+            <a:normAutofit fontScale="90000"/>
+          </a:bodyPr>
+          <a:lstStyle/>
+          <a:p>
+            <a:r>
+              <a:rPr lang="en-AU" dirty="0" smtClean="0"/>
+              <a:t>The </a:t>
+            </a:r>
+            <a:r>
+              <a:rPr lang="en-AU" dirty="0" err="1" smtClean="0"/>
+              <a:t>centering</a:t>
+            </a:r>
+            <a:r>
+              <a:rPr lang="en-AU" dirty="0" smtClean="0"/>
+              <a:t> Algorithm</a:t>
+            </a:r>
+            <a:endParaRPr lang="en-AU" dirty="0"/>
+          </a:p>
+        </p:txBody>
+      </p:sp>
+      <p:sp>
+        <p:nvSpPr>
+          <p:cNvPr id="3" name="Text Placeholder 2"/>
+          <p:cNvSpPr>
+            <a:spLocks noGrp="1"/>
+          </p:cNvSpPr>
+          <p:nvPr>
+            <p:ph type="body" idx="1"/>
+          </p:nvPr>
+        </p:nvSpPr>
+        <p:spPr/>
+        <p:txBody>
+          <a:bodyPr/>
+          <a:lstStyle/>
+          <a:p>
+            <a:r>
+              <a:rPr lang="en-AU" dirty="0" smtClean="0"/>
+              <a:t>Idea: at any given moment, discourse is focused on a single entity, the </a:t>
+            </a:r>
+            <a:r>
+              <a:rPr lang="en-AU" dirty="0" err="1" smtClean="0"/>
+              <a:t>center</a:t>
+            </a:r>
+            <a:endParaRPr lang="en-AU" dirty="0"/>
+          </a:p>
+          <a:p>
+            <a:r>
+              <a:rPr lang="en-AU" dirty="0" smtClean="0"/>
+              <a:t>Goal: assign pronoun to antecedents in a manner which avoids “rough” shifts in the </a:t>
+            </a:r>
+            <a:r>
+              <a:rPr lang="en-AU" dirty="0" err="1" smtClean="0"/>
+              <a:t>center</a:t>
+            </a:r>
+            <a:endParaRPr lang="en-AU" dirty="0" smtClean="0"/>
+          </a:p>
+          <a:p>
+            <a:r>
+              <a:rPr lang="en-AU" dirty="0" smtClean="0"/>
+              <a:t>Definitions:</a:t>
+            </a:r>
+          </a:p>
+          <a:p>
+            <a:pPr lvl="1"/>
+            <a:r>
+              <a:rPr lang="en-AU" dirty="0" err="1" smtClean="0"/>
+              <a:t>C</a:t>
+            </a:r>
+            <a:r>
+              <a:rPr lang="en-AU" baseline="-25000" dirty="0" err="1" smtClean="0"/>
+              <a:t>f</a:t>
+            </a:r>
+            <a:r>
+              <a:rPr lang="en-AU" dirty="0" smtClean="0"/>
+              <a:t>(U</a:t>
+            </a:r>
+            <a:r>
+              <a:rPr lang="en-AU" baseline="-25000" dirty="0" smtClean="0"/>
+              <a:t>n</a:t>
+            </a:r>
+            <a:r>
+              <a:rPr lang="en-AU" dirty="0" smtClean="0"/>
+              <a:t>) = list of entities of U</a:t>
+            </a:r>
+            <a:r>
+              <a:rPr lang="en-AU" baseline="-25000" dirty="0"/>
+              <a:t>n</a:t>
+            </a:r>
+            <a:r>
+              <a:rPr lang="en-AU" dirty="0" smtClean="0"/>
+              <a:t>, ordered by salience</a:t>
+            </a:r>
+          </a:p>
+          <a:p>
+            <a:pPr lvl="1"/>
+            <a:r>
+              <a:rPr lang="en-AU" dirty="0" err="1" smtClean="0"/>
+              <a:t>C</a:t>
+            </a:r>
+            <a:r>
+              <a:rPr lang="en-AU" baseline="-25000" dirty="0" err="1" smtClean="0"/>
+              <a:t>b</a:t>
+            </a:r>
+            <a:r>
+              <a:rPr lang="en-AU" dirty="0" smtClean="0"/>
+              <a:t>(U</a:t>
+            </a:r>
+            <a:r>
+              <a:rPr lang="en-AU" baseline="-25000" dirty="0"/>
+              <a:t>n</a:t>
+            </a:r>
+            <a:r>
+              <a:rPr lang="en-AU" dirty="0" smtClean="0"/>
+              <a:t>) = backward </a:t>
+            </a:r>
+            <a:r>
+              <a:rPr lang="en-AU" dirty="0" err="1" smtClean="0"/>
+              <a:t>center</a:t>
+            </a:r>
+            <a:r>
+              <a:rPr lang="en-AU" dirty="0" smtClean="0"/>
+              <a:t> of U</a:t>
+            </a:r>
+            <a:r>
+              <a:rPr lang="en-AU" baseline="-25000" dirty="0"/>
+              <a:t>n</a:t>
+            </a:r>
+            <a:r>
+              <a:rPr lang="en-AU" dirty="0" smtClean="0"/>
+              <a:t>, highest ranked entity </a:t>
+            </a:r>
+            <a:r>
+              <a:rPr lang="en-AU" dirty="0" err="1" smtClean="0"/>
+              <a:t>C</a:t>
+            </a:r>
+            <a:r>
+              <a:rPr lang="en-AU" baseline="-25000" dirty="0" err="1" smtClean="0"/>
+              <a:t>f</a:t>
+            </a:r>
+            <a:r>
+              <a:rPr lang="en-AU" dirty="0" smtClean="0"/>
+              <a:t>(U</a:t>
+            </a:r>
+            <a:r>
+              <a:rPr lang="en-AU" baseline="-25000" dirty="0" smtClean="0"/>
+              <a:t>n-1</a:t>
+            </a:r>
+            <a:r>
+              <a:rPr lang="en-AU" dirty="0" smtClean="0"/>
+              <a:t>) that appears in </a:t>
+            </a:r>
+            <a:r>
+              <a:rPr lang="en-AU" dirty="0" err="1" smtClean="0"/>
+              <a:t>C</a:t>
+            </a:r>
+            <a:r>
+              <a:rPr lang="en-AU" baseline="-25000" dirty="0" err="1"/>
+              <a:t>f</a:t>
+            </a:r>
+            <a:r>
+              <a:rPr lang="en-AU" dirty="0" smtClean="0"/>
+              <a:t>(U</a:t>
+            </a:r>
+            <a:r>
+              <a:rPr lang="en-AU" baseline="-25000" dirty="0" smtClean="0"/>
+              <a:t>n</a:t>
+            </a:r>
+            <a:r>
+              <a:rPr lang="en-AU" dirty="0"/>
+              <a:t>) </a:t>
+            </a:r>
+            <a:endParaRPr lang="en-AU" dirty="0" smtClean="0"/>
+          </a:p>
+          <a:p>
+            <a:pPr lvl="1"/>
+            <a:r>
+              <a:rPr lang="en-AU" dirty="0" err="1"/>
+              <a:t>C</a:t>
+            </a:r>
+            <a:r>
+              <a:rPr lang="en-AU" baseline="-25000" dirty="0" err="1"/>
+              <a:t>b</a:t>
+            </a:r>
+            <a:r>
+              <a:rPr lang="en-AU" dirty="0"/>
+              <a:t>(U</a:t>
+            </a:r>
+            <a:r>
+              <a:rPr lang="en-AU" baseline="-25000" dirty="0"/>
+              <a:t>n</a:t>
+            </a:r>
+            <a:r>
+              <a:rPr lang="en-AU" dirty="0" smtClean="0"/>
+              <a:t>) = forward </a:t>
+            </a:r>
+            <a:r>
+              <a:rPr lang="en-AU" dirty="0" err="1" smtClean="0"/>
+              <a:t>center</a:t>
+            </a:r>
+            <a:r>
+              <a:rPr lang="en-AU" dirty="0" smtClean="0"/>
+              <a:t> of U</a:t>
+            </a:r>
+            <a:r>
+              <a:rPr lang="en-AU" baseline="-25000" dirty="0" smtClean="0"/>
+              <a:t>n</a:t>
+            </a:r>
+            <a:r>
+              <a:rPr lang="en-AU" dirty="0" smtClean="0"/>
+              <a:t>, highest ranked entity of </a:t>
+            </a:r>
+            <a:r>
+              <a:rPr lang="en-AU" dirty="0" err="1"/>
+              <a:t>C</a:t>
+            </a:r>
+            <a:r>
+              <a:rPr lang="en-AU" baseline="-25000" dirty="0" err="1"/>
+              <a:t>f</a:t>
+            </a:r>
+            <a:r>
+              <a:rPr lang="en-AU" dirty="0"/>
+              <a:t>(U</a:t>
+            </a:r>
+            <a:r>
+              <a:rPr lang="en-AU" baseline="-25000" dirty="0"/>
+              <a:t>n</a:t>
+            </a:r>
+            <a:r>
+              <a:rPr lang="en-AU" dirty="0"/>
+              <a:t>) </a:t>
+            </a:r>
+            <a:endParaRPr lang="en-AU" dirty="0" smtClean="0"/>
+          </a:p>
+          <a:p>
+            <a:endParaRPr lang="en-AU" dirty="0"/>
+          </a:p>
+        </p:txBody>
+      </p:sp>
+    </p:spTree>
+    <p:extLst>
+      <p:ext uri="{BB962C8B-B14F-4D97-AF65-F5344CB8AC3E}">
+        <p14:creationId xmlns:p14="http://schemas.microsoft.com/office/powerpoint/2010/main" val="859327391"/>
+      </p:ext>
+    </p:extLst>
+  </p:cSld>
+  <p:clrMapOvr>
+    <a:masterClrMapping/>
+  </p:clrMapOvr>
+  <p:transition spd="med"/>
+  <p:timing>
+    <p:tnLst>
+      <p:par>
+        <p:cTn id="1" dur="indefinite" restart="never" nodeType="tmRoot"/>
+      </p:par>
+    </p:tnLst>
+  </p:timing>
+</p:sld>
+</file>
+
+<file path=ppt/slides/slide18.xml><?xml version="1.0" encoding="utf-8"?>
+<p:sld xmlns:a="http://schemas.openxmlformats.org/drawingml/2006/main" xmlns:r="http://schemas.openxmlformats.org/officeDocument/2006/relationships" xmlns:p="http://schemas.openxmlformats.org/presentationml/2006/main">
+  <p:cSld>
+    <p:spTree>
+      <p:nvGrpSpPr>
+        <p:cNvPr id="1" name=""/>
+        <p:cNvGrpSpPr/>
+        <p:nvPr/>
+      </p:nvGrpSpPr>
+      <p:grpSpPr>
+        <a:xfrm>
+          <a:off x="0" y="0"/>
+          <a:ext cx="0" cy="0"/>
+          <a:chOff x="0" y="0"/>
+          <a:chExt cx="0" cy="0"/>
+        </a:xfrm>
+      </p:grpSpPr>
+      <p:sp>
+        <p:nvSpPr>
+          <p:cNvPr id="2" name="Title 1"/>
+          <p:cNvSpPr>
+            <a:spLocks noGrp="1"/>
+          </p:cNvSpPr>
+          <p:nvPr>
+            <p:ph type="title"/>
+          </p:nvPr>
+        </p:nvSpPr>
+        <p:spPr/>
+        <p:txBody>
+          <a:bodyPr>
+            <a:normAutofit fontScale="90000"/>
+          </a:bodyPr>
+          <a:lstStyle/>
+          <a:p>
+            <a:r>
+              <a:rPr lang="en-AU" dirty="0"/>
+              <a:t>The </a:t>
+            </a:r>
+            <a:r>
+              <a:rPr lang="en-AU" dirty="0" err="1"/>
+              <a:t>centering</a:t>
+            </a:r>
+            <a:r>
+              <a:rPr lang="en-AU" dirty="0"/>
+              <a:t> Algorithm</a:t>
+            </a:r>
+          </a:p>
+        </p:txBody>
+      </p:sp>
+      <p:sp>
+        <p:nvSpPr>
+          <p:cNvPr id="3" name="Text Placeholder 2"/>
+          <p:cNvSpPr>
+            <a:spLocks noGrp="1"/>
+          </p:cNvSpPr>
+          <p:nvPr>
+            <p:ph type="body" idx="1"/>
+          </p:nvPr>
+        </p:nvSpPr>
+        <p:spPr/>
+        <p:txBody>
+          <a:bodyPr/>
+          <a:lstStyle/>
+          <a:p>
+            <a:r>
+              <a:rPr lang="en-AU" dirty="0"/>
+              <a:t>If some entity in </a:t>
+            </a:r>
+            <a:r>
+              <a:rPr lang="en-AU" dirty="0" err="1"/>
+              <a:t>C</a:t>
+            </a:r>
+            <a:r>
+              <a:rPr lang="en-AU" baseline="-25000" dirty="0" err="1"/>
+              <a:t>f</a:t>
+            </a:r>
+            <a:r>
+              <a:rPr lang="en-AU" dirty="0"/>
+              <a:t>(U</a:t>
+            </a:r>
+            <a:r>
+              <a:rPr lang="en-AU" baseline="-25000" dirty="0"/>
+              <a:t>n-1</a:t>
+            </a:r>
+            <a:r>
+              <a:rPr lang="en-AU" dirty="0"/>
+              <a:t>) </a:t>
+            </a:r>
+            <a:r>
+              <a:rPr lang="en-AU" dirty="0" smtClean="0"/>
+              <a:t>is </a:t>
+            </a:r>
+            <a:r>
+              <a:rPr lang="en-AU" dirty="0"/>
+              <a:t>realized </a:t>
+            </a:r>
+            <a:r>
+              <a:rPr lang="en-AU" dirty="0" smtClean="0"/>
+              <a:t>as </a:t>
+            </a:r>
+            <a:r>
+              <a:rPr lang="en-AU" dirty="0"/>
+              <a:t>a </a:t>
+            </a:r>
+            <a:r>
+              <a:rPr lang="en-AU" dirty="0" smtClean="0"/>
+              <a:t>pronoun in </a:t>
+            </a:r>
+            <a:r>
+              <a:rPr lang="en-AU" dirty="0"/>
+              <a:t>U</a:t>
+            </a:r>
+            <a:r>
+              <a:rPr lang="en-AU" baseline="-25000" dirty="0"/>
+              <a:t>n</a:t>
+            </a:r>
+            <a:r>
+              <a:rPr lang="en-AU" dirty="0" smtClean="0"/>
+              <a:t>, </a:t>
+            </a:r>
+            <a:r>
+              <a:rPr lang="en-AU" dirty="0"/>
+              <a:t>then </a:t>
+            </a:r>
+            <a:r>
+              <a:rPr lang="en-AU" dirty="0" err="1"/>
+              <a:t>C</a:t>
+            </a:r>
+            <a:r>
+              <a:rPr lang="en-AU" baseline="-25000" dirty="0" err="1"/>
+              <a:t>b</a:t>
+            </a:r>
+            <a:r>
+              <a:rPr lang="en-AU" dirty="0"/>
+              <a:t>(U</a:t>
+            </a:r>
+            <a:r>
+              <a:rPr lang="en-AU" baseline="-25000" dirty="0"/>
+              <a:t>n</a:t>
+            </a:r>
+            <a:r>
+              <a:rPr lang="en-AU" dirty="0" smtClean="0"/>
+              <a:t>) </a:t>
+            </a:r>
+            <a:r>
+              <a:rPr lang="en-AU" dirty="0" smtClean="0"/>
+              <a:t>must </a:t>
+            </a:r>
+            <a:r>
+              <a:rPr lang="en-AU" dirty="0"/>
+              <a:t>be </a:t>
+            </a:r>
+            <a:r>
+              <a:rPr lang="en-AU" dirty="0" smtClean="0"/>
+              <a:t>realized as a pronoun.</a:t>
+            </a:r>
+            <a:endParaRPr lang="en-AU" dirty="0"/>
+          </a:p>
+          <a:p>
+            <a:pPr marL="0" indent="0">
+              <a:buNone/>
+            </a:pPr>
+            <a:r>
+              <a:rPr lang="en-AU" i="1" dirty="0">
+                <a:solidFill>
+                  <a:srgbClr val="0070C0"/>
+                </a:solidFill>
+              </a:rPr>
+              <a:t>Ted</a:t>
+            </a:r>
+            <a:r>
+              <a:rPr lang="en-AU" i="1" dirty="0"/>
+              <a:t> worked in the CBD. </a:t>
+            </a:r>
+            <a:r>
+              <a:rPr lang="en-AU" i="1" dirty="0">
+                <a:solidFill>
+                  <a:srgbClr val="FF0000"/>
+                </a:solidFill>
+              </a:rPr>
+              <a:t>He</a:t>
+            </a:r>
+            <a:r>
+              <a:rPr lang="en-AU" i="1" dirty="0"/>
+              <a:t> usually rode to work with </a:t>
+            </a:r>
+            <a:r>
+              <a:rPr lang="en-AU" i="1" dirty="0">
+                <a:solidFill>
+                  <a:srgbClr val="0070C0"/>
+                </a:solidFill>
+              </a:rPr>
+              <a:t>Bill</a:t>
+            </a:r>
+            <a:r>
+              <a:rPr lang="en-AU" i="1" dirty="0"/>
+              <a:t>. </a:t>
+            </a:r>
+            <a:r>
+              <a:rPr lang="en-AU" i="1" dirty="0" smtClean="0"/>
+              <a:t/>
+            </a:r>
+            <a:br>
+              <a:rPr lang="en-AU" i="1" dirty="0" smtClean="0"/>
+            </a:br>
+            <a:r>
+              <a:rPr lang="en-AU" dirty="0" smtClean="0">
+                <a:solidFill>
+                  <a:schemeClr val="bg1"/>
+                </a:solidFill>
+                <a:sym typeface="Wingdings"/>
+              </a:rPr>
+              <a:t></a:t>
+            </a:r>
+            <a:r>
+              <a:rPr lang="en-AU" i="1" dirty="0" smtClean="0"/>
+              <a:t>He had a nicer car than Ted.</a:t>
+            </a:r>
+            <a:br>
+              <a:rPr lang="en-AU" i="1" dirty="0" smtClean="0"/>
+            </a:br>
+            <a:r>
+              <a:rPr lang="en-AU" dirty="0" smtClean="0">
+                <a:solidFill>
+                  <a:schemeClr val="bg1"/>
+                </a:solidFill>
+                <a:sym typeface="Wingdings"/>
+              </a:rPr>
+              <a:t>Bill had a nicer car than </a:t>
+            </a:r>
+            <a:r>
+              <a:rPr lang="en-AU" dirty="0">
+                <a:solidFill>
+                  <a:schemeClr val="bg1"/>
+                </a:solidFill>
+                <a:sym typeface="Wingdings"/>
+              </a:rPr>
+              <a:t>T</a:t>
+            </a:r>
+            <a:r>
+              <a:rPr lang="en-AU" dirty="0" smtClean="0">
+                <a:solidFill>
+                  <a:schemeClr val="bg1"/>
+                </a:solidFill>
+                <a:sym typeface="Wingdings"/>
+              </a:rPr>
+              <a:t>ed.</a:t>
+            </a:r>
+            <a:endParaRPr lang="en-AU" i="1" dirty="0" smtClean="0"/>
+          </a:p>
+          <a:p>
+            <a:r>
+              <a:rPr lang="en-AU" dirty="0" smtClean="0"/>
+              <a:t>Prefer assignments of pronouns where </a:t>
+            </a:r>
+            <a:r>
+              <a:rPr lang="en-AU" dirty="0" err="1" smtClean="0"/>
+              <a:t>C</a:t>
+            </a:r>
+            <a:r>
+              <a:rPr lang="en-AU" baseline="-25000" dirty="0" err="1" smtClean="0"/>
+              <a:t>b</a:t>
+            </a:r>
+            <a:r>
+              <a:rPr lang="en-AU" dirty="0" smtClean="0"/>
+              <a:t>(U</a:t>
+            </a:r>
+            <a:r>
+              <a:rPr lang="en-AU" baseline="-25000" dirty="0" smtClean="0"/>
+              <a:t>n</a:t>
+            </a:r>
+            <a:r>
+              <a:rPr lang="en-AU" dirty="0" smtClean="0"/>
+              <a:t>) = </a:t>
+            </a:r>
+            <a:r>
+              <a:rPr lang="en-AU" dirty="0" err="1" smtClean="0"/>
+              <a:t>C</a:t>
+            </a:r>
+            <a:r>
+              <a:rPr lang="en-AU" baseline="-25000" dirty="0" err="1" smtClean="0"/>
+              <a:t>b</a:t>
+            </a:r>
+            <a:r>
+              <a:rPr lang="en-AU" dirty="0" smtClean="0"/>
+              <a:t>(U</a:t>
+            </a:r>
+            <a:r>
+              <a:rPr lang="en-AU" baseline="-25000" dirty="0" smtClean="0"/>
+              <a:t>n+1</a:t>
+            </a:r>
+            <a:r>
+              <a:rPr lang="en-AU" dirty="0" smtClean="0"/>
+              <a:t>)</a:t>
+            </a:r>
+          </a:p>
+          <a:p>
+            <a:pPr marL="0" indent="0">
+              <a:buNone/>
+            </a:pPr>
+            <a:r>
+              <a:rPr lang="en-AU" i="1" dirty="0" smtClean="0">
+                <a:solidFill>
+                  <a:srgbClr val="0070C0"/>
+                </a:solidFill>
+              </a:rPr>
+              <a:t>Ted</a:t>
+            </a:r>
+            <a:r>
+              <a:rPr lang="en-AU" i="1" dirty="0" smtClean="0"/>
+              <a:t> worked in the CBD. </a:t>
+            </a:r>
+            <a:r>
+              <a:rPr lang="en-AU" i="1" dirty="0" smtClean="0">
+                <a:solidFill>
+                  <a:srgbClr val="FF0000"/>
+                </a:solidFill>
+              </a:rPr>
+              <a:t>He</a:t>
+            </a:r>
+            <a:r>
+              <a:rPr lang="en-AU" i="1" dirty="0" smtClean="0"/>
+              <a:t> usually </a:t>
+            </a:r>
+            <a:r>
+              <a:rPr lang="en-AU" i="1" dirty="0"/>
+              <a:t>rode to work with </a:t>
+            </a:r>
+            <a:r>
+              <a:rPr lang="en-AU" i="1" dirty="0">
+                <a:solidFill>
+                  <a:srgbClr val="0070C0"/>
+                </a:solidFill>
+              </a:rPr>
+              <a:t>Bill</a:t>
+            </a:r>
+            <a:r>
+              <a:rPr lang="en-AU" i="1" dirty="0"/>
+              <a:t>. </a:t>
+            </a:r>
+            <a:r>
+              <a:rPr lang="en-AU" i="1" dirty="0">
+                <a:solidFill>
+                  <a:srgbClr val="C00000"/>
+                </a:solidFill>
+              </a:rPr>
+              <a:t>He</a:t>
+            </a:r>
+            <a:r>
+              <a:rPr lang="en-AU" i="1" dirty="0"/>
+              <a:t> was never late.</a:t>
+            </a:r>
+          </a:p>
+          <a:p>
+            <a:r>
+              <a:rPr lang="en-AU" dirty="0" smtClean="0"/>
+              <a:t>Otherwise, prefer  </a:t>
+            </a:r>
+            <a:r>
+              <a:rPr lang="en-AU" dirty="0" err="1" smtClean="0"/>
+              <a:t>C</a:t>
+            </a:r>
+            <a:r>
+              <a:rPr lang="en-AU" baseline="-25000" dirty="0" err="1"/>
+              <a:t>b</a:t>
+            </a:r>
+            <a:r>
+              <a:rPr lang="en-AU" dirty="0" smtClean="0"/>
+              <a:t>(U</a:t>
+            </a:r>
+            <a:r>
+              <a:rPr lang="en-AU" baseline="-25000" dirty="0" smtClean="0"/>
+              <a:t>n</a:t>
+            </a:r>
+            <a:r>
+              <a:rPr lang="en-AU" dirty="0"/>
+              <a:t>) = </a:t>
+            </a:r>
+            <a:r>
+              <a:rPr lang="en-AU" dirty="0" err="1" smtClean="0"/>
+              <a:t>C</a:t>
+            </a:r>
+            <a:r>
+              <a:rPr lang="en-AU" baseline="-25000" dirty="0" err="1"/>
+              <a:t>p</a:t>
+            </a:r>
+            <a:r>
+              <a:rPr lang="en-AU" dirty="0" smtClean="0"/>
+              <a:t>(U</a:t>
+            </a:r>
+            <a:r>
+              <a:rPr lang="en-AU" baseline="-25000" dirty="0" smtClean="0"/>
+              <a:t>n</a:t>
+            </a:r>
+            <a:r>
+              <a:rPr lang="en-AU" dirty="0" smtClean="0"/>
+              <a:t>)</a:t>
+            </a:r>
+          </a:p>
+          <a:p>
+            <a:pPr marL="0" indent="0">
+              <a:buNone/>
+            </a:pPr>
+            <a:r>
+              <a:rPr lang="en-AU" i="1" dirty="0" smtClean="0">
+                <a:solidFill>
+                  <a:srgbClr val="0070C0"/>
+                </a:solidFill>
+              </a:rPr>
+              <a:t>The tram </a:t>
+            </a:r>
+            <a:r>
+              <a:rPr lang="en-AU" i="1" dirty="0" smtClean="0"/>
+              <a:t>didn’t come. </a:t>
+            </a:r>
+            <a:r>
+              <a:rPr lang="en-AU" i="1" dirty="0" smtClean="0">
+                <a:solidFill>
+                  <a:srgbClr val="0070C0"/>
+                </a:solidFill>
+              </a:rPr>
+              <a:t>Ted</a:t>
+            </a:r>
+            <a:r>
+              <a:rPr lang="en-AU" i="1" dirty="0" smtClean="0"/>
+              <a:t> went back to get </a:t>
+            </a:r>
+            <a:r>
+              <a:rPr lang="en-AU" i="1" dirty="0" smtClean="0">
+                <a:solidFill>
+                  <a:srgbClr val="0070C0"/>
+                </a:solidFill>
+              </a:rPr>
+              <a:t>his bike</a:t>
+            </a:r>
+            <a:r>
+              <a:rPr lang="en-AU" i="1" dirty="0" smtClean="0"/>
+              <a:t>. </a:t>
+            </a:r>
+            <a:r>
+              <a:rPr lang="en-AU" i="1" dirty="0" smtClean="0">
+                <a:solidFill>
+                  <a:srgbClr val="FF0000"/>
+                </a:solidFill>
+              </a:rPr>
+              <a:t>It</a:t>
+            </a:r>
+            <a:r>
+              <a:rPr lang="en-AU" i="1" dirty="0" smtClean="0"/>
+              <a:t> had a flat tire.</a:t>
+            </a:r>
+            <a:endParaRPr lang="en-AU" i="1" dirty="0"/>
+          </a:p>
+          <a:p>
+            <a:pPr marL="0" indent="0">
+              <a:buNone/>
+            </a:pPr>
+            <a:endParaRPr lang="en-AU" dirty="0"/>
+          </a:p>
+          <a:p>
+            <a:pPr marL="0" indent="0">
+              <a:buNone/>
+            </a:pPr>
+            <a:endParaRPr lang="en-AU" dirty="0"/>
+          </a:p>
+        </p:txBody>
+      </p:sp>
+    </p:spTree>
+    <p:extLst>
+      <p:ext uri="{BB962C8B-B14F-4D97-AF65-F5344CB8AC3E}">
+        <p14:creationId xmlns:p14="http://schemas.microsoft.com/office/powerpoint/2010/main" val="2844948109"/>
+      </p:ext>
+    </p:extLst>
+  </p:cSld>
+  <p:clrMapOvr>
+    <a:masterClrMapping/>
+  </p:clrMapOvr>
+  <p:transition spd="med"/>
+  <p:timing>
+    <p:tnLst>
+      <p:par>
+        <p:cTn id="1" dur="indefinite" restart="never" nodeType="tmRoot"/>
+      </p:par>
+    </p:tnLst>
+  </p:timing>
+</p:sld>
+</file>
+
+<file path=ppt/slides/slide19.xml><?xml version="1.0" encoding="utf-8"?>
+<p:sld xmlns:a="http://schemas.openxmlformats.org/drawingml/2006/main" xmlns:r="http://schemas.openxmlformats.org/officeDocument/2006/relationships" xmlns:p="http://schemas.openxmlformats.org/presentationml/2006/main">
+  <p:cSld>
+    <p:spTree>
+      <p:nvGrpSpPr>
+        <p:cNvPr id="1" name=""/>
+        <p:cNvGrpSpPr/>
+        <p:nvPr/>
+      </p:nvGrpSpPr>
+      <p:grpSpPr>
+        <a:xfrm>
+          <a:off x="0" y="0"/>
+          <a:ext cx="0" cy="0"/>
+          <a:chOff x="0" y="0"/>
+          <a:chExt cx="0" cy="0"/>
+        </a:xfrm>
+      </p:grpSpPr>
+      <p:sp>
+        <p:nvSpPr>
+          <p:cNvPr id="2" name="Title 1"/>
+          <p:cNvSpPr>
+            <a:spLocks noGrp="1"/>
+          </p:cNvSpPr>
+          <p:nvPr>
+            <p:ph type="title"/>
+          </p:nvPr>
+        </p:nvSpPr>
+        <p:spPr/>
+        <p:txBody>
+          <a:bodyPr>
+            <a:normAutofit fontScale="90000"/>
+          </a:bodyPr>
+          <a:lstStyle/>
+          <a:p>
+            <a:r>
+              <a:rPr lang="en-AU" dirty="0" smtClean="0"/>
+              <a:t>Supervised anaphor resolution</a:t>
+            </a:r>
+            <a:endParaRPr lang="en-AU" dirty="0"/>
+          </a:p>
+        </p:txBody>
+      </p:sp>
+      <p:sp>
+        <p:nvSpPr>
+          <p:cNvPr id="3" name="Text Placeholder 2"/>
+          <p:cNvSpPr>
+            <a:spLocks noGrp="1"/>
+          </p:cNvSpPr>
+          <p:nvPr>
+            <p:ph type="body" idx="1"/>
+          </p:nvPr>
+        </p:nvSpPr>
+        <p:spPr/>
+        <p:txBody>
+          <a:bodyPr/>
+          <a:lstStyle/>
+          <a:p>
+            <a:r>
+              <a:rPr lang="en-AU" dirty="0"/>
+              <a:t>Build a binary classifier for </a:t>
+            </a:r>
+            <a:r>
+              <a:rPr lang="en-AU" dirty="0" smtClean="0"/>
+              <a:t>anaphor/antecedent </a:t>
+            </a:r>
+            <a:r>
+              <a:rPr lang="en-AU" dirty="0"/>
+              <a:t>pairs</a:t>
+            </a:r>
+          </a:p>
+          <a:p>
+            <a:pPr lvl="1"/>
+            <a:r>
+              <a:rPr lang="en-AU" dirty="0" smtClean="0"/>
+              <a:t>Use confidence values to </a:t>
+            </a:r>
+            <a:r>
+              <a:rPr lang="en-AU" dirty="0"/>
+              <a:t>optimize </a:t>
+            </a:r>
+            <a:r>
+              <a:rPr lang="en-AU" dirty="0" smtClean="0"/>
+              <a:t>globally</a:t>
+            </a:r>
+          </a:p>
+          <a:p>
+            <a:r>
+              <a:rPr lang="en-AU" dirty="0" smtClean="0"/>
+              <a:t>Convert restrictions and preferences into features</a:t>
+            </a:r>
+          </a:p>
+          <a:p>
+            <a:pPr lvl="1"/>
+            <a:r>
+              <a:rPr lang="en-AU" dirty="0" smtClean="0"/>
+              <a:t>Binary features for number/gender compatibility</a:t>
+            </a:r>
+          </a:p>
+          <a:p>
+            <a:pPr lvl="1"/>
+            <a:r>
+              <a:rPr lang="en-AU" dirty="0" smtClean="0"/>
+              <a:t>Include features about type of antecedent</a:t>
+            </a:r>
+            <a:endParaRPr lang="en-AU" dirty="0"/>
+          </a:p>
+          <a:p>
+            <a:r>
+              <a:rPr lang="en-AU" dirty="0" smtClean="0"/>
+              <a:t>With enough data, can approximate the </a:t>
+            </a:r>
+            <a:r>
+              <a:rPr lang="en-AU" dirty="0" err="1" smtClean="0"/>
+              <a:t>centering</a:t>
+            </a:r>
+            <a:r>
+              <a:rPr lang="en-AU" dirty="0" smtClean="0"/>
+              <a:t> algorithm</a:t>
+            </a:r>
+          </a:p>
+          <a:p>
+            <a:r>
+              <a:rPr lang="en-AU" dirty="0" smtClean="0"/>
+              <a:t>But also easy to include features which indicate tendencies, rather than rules</a:t>
+            </a:r>
+          </a:p>
+          <a:p>
+            <a:pPr lvl="1"/>
+            <a:r>
+              <a:rPr lang="en-AU" dirty="0" smtClean="0"/>
+              <a:t>Like repetition, parallelism</a:t>
+            </a:r>
+          </a:p>
+        </p:txBody>
+      </p:sp>
+    </p:spTree>
+    <p:extLst>
+      <p:ext uri="{BB962C8B-B14F-4D97-AF65-F5344CB8AC3E}">
+        <p14:creationId xmlns:p14="http://schemas.microsoft.com/office/powerpoint/2010/main" val="3341880310"/>
       </p:ext>
     </p:extLst>
   </p:cSld>
@@ -4535,12 +6252,20 @@
               <a:buNone/>
             </a:pPr>
             <a:r>
-              <a:rPr lang="en-AU" dirty="0" smtClean="0"/>
-              <a:t>Yesterday, Ted was late for work. [</a:t>
-            </a:r>
-            <a:r>
               <a:rPr lang="en-AU" dirty="0" smtClean="0">
                 <a:solidFill>
+                  <a:srgbClr val="00B050"/>
+                </a:solidFill>
+              </a:rPr>
+              <a:t>Yesterday, Ted was late for work. </a:t>
+            </a:r>
+            <a:r>
+              <a:rPr lang="en-AU" dirty="0" smtClean="0"/>
+              <a:t>[</a:t>
+            </a:r>
+            <a:r>
+              <a:rPr lang="en-AU" dirty="0" smtClean="0">
+                <a:solidFill>
                   <a:schemeClr val="accent5"/>
                 </a:solidFill>
               </a:rPr>
@@ -4572,7 +6297,19 @@
             </a:r>
             <a:r>
               <a:rPr lang="en-AU" dirty="0" smtClean="0"/>
-              <a:t> wouldn’t start. </a:t>
+              <a:t> wouldn’t </a:t>
+            </a:r>
+            <a:r>
+              <a:rPr lang="en-AU" dirty="0" smtClean="0">
+                <a:solidFill>
+                  <a:srgbClr val="0070C0"/>
+                </a:solidFill>
+              </a:rPr>
+              <a:t>start</a:t>
+            </a:r>
+            <a:r>
+              <a:rPr lang="en-AU" dirty="0" smtClean="0"/>
+              <a:t>. </a:t>
             </a:r>
             <a:r>
               <a:rPr lang="en-AU" dirty="0" smtClean="0">
@@ -4945,6 +6682,318 @@
     <p:extLst>
       <p:ext uri="{BB962C8B-B14F-4D97-AF65-F5344CB8AC3E}">
         <p14:creationId xmlns:p14="http://schemas.microsoft.com/office/powerpoint/2010/main" val="38343043"/>
+      </p:ext>
+    </p:extLst>
+  </p:cSld>
+  <p:clrMapOvr>
+    <a:masterClrMapping/>
+  </p:clrMapOvr>
+  <p:transition spd="med"/>
+  <p:timing>
+    <p:tnLst>
+      <p:par>
+        <p:cTn id="1" dur="indefinite" restart="never" nodeType="tmRoot"/>
+      </p:par>
+    </p:tnLst>
+  </p:timing>
+</p:sld>
+</file>
+
+<file path=ppt/slides/slide20.xml><?xml version="1.0" encoding="utf-8"?>
+<p:sld xmlns:a="http://schemas.openxmlformats.org/drawingml/2006/main" xmlns:r="http://schemas.openxmlformats.org/officeDocument/2006/relationships" xmlns:p="http://schemas.openxmlformats.org/presentationml/2006/main">
+  <p:cSld>
+    <p:spTree>
+      <p:nvGrpSpPr>
+        <p:cNvPr id="1" name=""/>
+        <p:cNvGrpSpPr/>
+        <p:nvPr/>
+      </p:nvGrpSpPr>
+      <p:grpSpPr>
+        <a:xfrm>
+          <a:off x="0" y="0"/>
+          <a:ext cx="0" cy="0"/>
+          <a:chOff x="0" y="0"/>
+          <a:chExt cx="0" cy="0"/>
+        </a:xfrm>
+      </p:grpSpPr>
+      <p:sp>
+        <p:nvSpPr>
+          <p:cNvPr id="2" name="Title 1"/>
+          <p:cNvSpPr>
+            <a:spLocks noGrp="1"/>
+          </p:cNvSpPr>
+          <p:nvPr>
+            <p:ph type="title"/>
+          </p:nvPr>
+        </p:nvSpPr>
+        <p:spPr/>
+        <p:txBody>
+          <a:bodyPr>
+            <a:normAutofit fontScale="90000"/>
+          </a:bodyPr>
+          <a:lstStyle/>
+          <a:p>
+            <a:r>
+              <a:rPr lang="en-AU" dirty="0" smtClean="0"/>
+              <a:t>Motivation for Anaphor resolution</a:t>
+            </a:r>
+            <a:endParaRPr lang="en-AU" dirty="0"/>
+          </a:p>
+        </p:txBody>
+      </p:sp>
+      <p:sp>
+        <p:nvSpPr>
+          <p:cNvPr id="3" name="Text Placeholder 2"/>
+          <p:cNvSpPr>
+            <a:spLocks noGrp="1"/>
+          </p:cNvSpPr>
+          <p:nvPr>
+            <p:ph type="body" idx="1"/>
+          </p:nvPr>
+        </p:nvSpPr>
+        <p:spPr/>
+        <p:txBody>
+          <a:bodyPr/>
+          <a:lstStyle/>
+          <a:p>
+            <a:r>
+              <a:rPr lang="en-AU" dirty="0" smtClean="0"/>
+              <a:t>Essential for proper semantic analysis</a:t>
+            </a:r>
+          </a:p>
+          <a:p>
+            <a:pPr lvl="1"/>
+            <a:r>
+              <a:rPr lang="en-AU" dirty="0" smtClean="0"/>
+              <a:t>Very useful for reading comprehension QA!</a:t>
+            </a:r>
+            <a:endParaRPr lang="en-AU" dirty="0"/>
+          </a:p>
+          <a:p>
+            <a:pPr marL="0" indent="0">
+              <a:buNone/>
+            </a:pPr>
+            <a:r>
+              <a:rPr lang="en-AU" i="1" dirty="0" smtClean="0"/>
+              <a:t>Ted’s car broke down. So he went over to Bill’s house to borrow his car. Bill said that was fine.</a:t>
+            </a:r>
+            <a:endParaRPr lang="en-AU" i="1" dirty="0"/>
+          </a:p>
+          <a:p>
+            <a:pPr marL="0" indent="0">
+              <a:buNone/>
+            </a:pPr>
+            <a:r>
+              <a:rPr lang="en-AU" i="1" dirty="0" smtClean="0"/>
+              <a:t>Who borrowed a car?</a:t>
+            </a:r>
+          </a:p>
+        </p:txBody>
+      </p:sp>
+    </p:spTree>
+    <p:extLst>
+      <p:ext uri="{BB962C8B-B14F-4D97-AF65-F5344CB8AC3E}">
+        <p14:creationId xmlns:p14="http://schemas.microsoft.com/office/powerpoint/2010/main" val="2700324343"/>
+      </p:ext>
+    </p:extLst>
+  </p:cSld>
+  <p:clrMapOvr>
+    <a:masterClrMapping/>
+  </p:clrMapOvr>
+  <p:transition spd="med"/>
+  <p:timing>
+    <p:tnLst>
+      <p:par>
+        <p:cTn id="1" dur="indefinite" restart="never" nodeType="tmRoot"/>
+      </p:par>
+    </p:tnLst>
+  </p:timing>
+</p:sld>
+</file>
+
+<file path=ppt/slides/slide21.xml><?xml version="1.0" encoding="utf-8"?>
+<p:sld xmlns:a="http://schemas.openxmlformats.org/drawingml/2006/main" xmlns:r="http://schemas.openxmlformats.org/officeDocument/2006/relationships" xmlns:p="http://schemas.openxmlformats.org/presentationml/2006/main">
+  <p:cSld>
+    <p:spTree>
+      <p:nvGrpSpPr>
+        <p:cNvPr id="1" name=""/>
+        <p:cNvGrpSpPr/>
+        <p:nvPr/>
+      </p:nvGrpSpPr>
+      <p:grpSpPr>
+        <a:xfrm>
+          <a:off x="0" y="0"/>
+          <a:ext cx="0" cy="0"/>
+          <a:chOff x="0" y="0"/>
+          <a:chExt cx="0" cy="0"/>
+        </a:xfrm>
+      </p:grpSpPr>
+      <p:sp>
+        <p:nvSpPr>
+          <p:cNvPr id="2" name="Title 1"/>
+          <p:cNvSpPr>
+            <a:spLocks noGrp="1"/>
+          </p:cNvSpPr>
+          <p:nvPr>
+            <p:ph type="title"/>
+          </p:nvPr>
+        </p:nvSpPr>
+        <p:spPr/>
+        <p:txBody>
+          <a:bodyPr>
+            <a:normAutofit fontScale="90000"/>
+          </a:bodyPr>
+          <a:lstStyle/>
+          <a:p>
+            <a:r>
+              <a:rPr lang="en-AU" dirty="0" smtClean="0"/>
+              <a:t>A final word</a:t>
+            </a:r>
+            <a:endParaRPr lang="en-AU" dirty="0"/>
+          </a:p>
+        </p:txBody>
+      </p:sp>
+      <p:sp>
+        <p:nvSpPr>
+          <p:cNvPr id="3" name="Text Placeholder 2"/>
+          <p:cNvSpPr>
+            <a:spLocks noGrp="1"/>
+          </p:cNvSpPr>
+          <p:nvPr>
+            <p:ph type="body" idx="1"/>
+          </p:nvPr>
+        </p:nvSpPr>
+        <p:spPr/>
+        <p:txBody>
+          <a:bodyPr/>
+          <a:lstStyle/>
+          <a:p>
+            <a:r>
+              <a:rPr lang="en-AU" dirty="0" smtClean="0"/>
+              <a:t>For many tasks, the larger context of language is important</a:t>
+            </a:r>
+          </a:p>
+          <a:p>
+            <a:r>
+              <a:rPr lang="en-AU" dirty="0"/>
+              <a:t>T</a:t>
+            </a:r>
+            <a:r>
+              <a:rPr lang="en-AU" dirty="0" smtClean="0"/>
+              <a:t>raditional NLP has been sentence-focused, but that is beginning to change…</a:t>
+            </a:r>
+          </a:p>
+          <a:p>
+            <a:endParaRPr lang="en-AU" dirty="0"/>
+          </a:p>
+        </p:txBody>
+      </p:sp>
+    </p:spTree>
+    <p:extLst>
+      <p:ext uri="{BB962C8B-B14F-4D97-AF65-F5344CB8AC3E}">
+        <p14:creationId xmlns:p14="http://schemas.microsoft.com/office/powerpoint/2010/main" val="1025791372"/>
+      </p:ext>
+    </p:extLst>
+  </p:cSld>
+  <p:clrMapOvr>
+    <a:masterClrMapping/>
+  </p:clrMapOvr>
+  <p:transition spd="med"/>
+  <p:timing>
+    <p:tnLst>
+      <p:par>
+        <p:cTn id="1" dur="indefinite" restart="never" nodeType="tmRoot"/>
+      </p:par>
+    </p:tnLst>
+  </p:timing>
+</p:sld>
+</file>
+
+<file path=ppt/slides/slide22.xml><?xml version="1.0" encoding="utf-8"?>
+<p:sld xmlns:a="http://schemas.openxmlformats.org/drawingml/2006/main" xmlns:r="http://schemas.openxmlformats.org/officeDocument/2006/relationships" xmlns:p="http://schemas.openxmlformats.org/presentationml/2006/main">
+  <p:cSld>
+    <p:spTree>
+      <p:nvGrpSpPr>
+        <p:cNvPr id="1" name=""/>
+        <p:cNvGrpSpPr/>
+        <p:nvPr/>
+      </p:nvGrpSpPr>
+      <p:grpSpPr>
+        <a:xfrm>
+          <a:off x="0" y="0"/>
+          <a:ext cx="0" cy="0"/>
+          <a:chOff x="0" y="0"/>
+          <a:chExt cx="0" cy="0"/>
+        </a:xfrm>
+      </p:grpSpPr>
+      <p:sp>
+        <p:nvSpPr>
+          <p:cNvPr id="2" name="Title 1"/>
+          <p:cNvSpPr>
+            <a:spLocks noGrp="1"/>
+          </p:cNvSpPr>
+          <p:nvPr>
+            <p:ph type="title"/>
+          </p:nvPr>
+        </p:nvSpPr>
+        <p:spPr/>
+        <p:txBody>
+          <a:bodyPr>
+            <a:normAutofit fontScale="90000"/>
+          </a:bodyPr>
+          <a:lstStyle/>
+          <a:p>
+            <a:r>
+              <a:rPr lang="en-AU" dirty="0" smtClean="0"/>
+              <a:t>Further reading</a:t>
+            </a:r>
+            <a:endParaRPr lang="en-AU" dirty="0"/>
+          </a:p>
+        </p:txBody>
+      </p:sp>
+      <p:sp>
+        <p:nvSpPr>
+          <p:cNvPr id="3" name="Text Placeholder 2"/>
+          <p:cNvSpPr>
+            <a:spLocks noGrp="1"/>
+          </p:cNvSpPr>
+          <p:nvPr>
+            <p:ph type="body" idx="1"/>
+          </p:nvPr>
+        </p:nvSpPr>
+        <p:spPr/>
+        <p:txBody>
+          <a:bodyPr/>
+          <a:lstStyle/>
+          <a:p>
+            <a:r>
+              <a:rPr lang="en-AU" dirty="0" smtClean="0"/>
+              <a:t>J&amp;M2, </a:t>
+            </a:r>
+            <a:r>
+              <a:rPr lang="en-AU" dirty="0" err="1" smtClean="0"/>
+              <a:t>Ch</a:t>
+            </a:r>
+            <a:r>
+              <a:rPr lang="en-AU" dirty="0" smtClean="0"/>
+              <a:t> 21.1-21.3 , 21.5-21.6</a:t>
+            </a:r>
+          </a:p>
+          <a:p>
+            <a:r>
+              <a:rPr lang="en-AU" dirty="0">
+                <a:hlinkClick r:id="rId2"/>
+              </a:rPr>
+              <a:t>Text-level Discourse Parsing with Rich Linguistic Features</a:t>
+            </a:r>
+            <a:endParaRPr lang="en-AU" dirty="0"/>
+          </a:p>
+        </p:txBody>
+      </p:sp>
+    </p:spTree>
+    <p:extLst>
+      <p:ext uri="{BB962C8B-B14F-4D97-AF65-F5344CB8AC3E}">
+        <p14:creationId xmlns:p14="http://schemas.microsoft.com/office/powerpoint/2010/main" val="1460751259"/>
       </p:ext>
     </p:extLst>
   </p:cSld>
@@ -4998,7 +7047,7 @@
           <a:p>
             <a:r>
               <a:rPr lang="en-AU" dirty="0" smtClean="0"/>
-              <a:t>Three Big discourse tasks</a:t>
+              <a:t>Three Key discourse tasks</a:t>
             </a:r>
             <a:endParaRPr lang="en-AU" dirty="0"/>
           </a:p>
@@ -5032,12 +7081,8 @@
           </a:p>
           <a:p>
             <a:r>
-              <a:rPr lang="en-AU" dirty="0" err="1" smtClean="0"/>
-              <a:t>Coreference</a:t>
-            </a:r>
-            <a:r>
-              <a:rPr lang="en-AU" dirty="0" smtClean="0"/>
-              <a:t> resolution</a:t>
+              <a:rPr lang="en-AU" dirty="0" smtClean="0"/>
+              <a:t>Anaphor resolution</a:t>
             </a:r>
             <a:endParaRPr lang="en-AU" dirty="0"/>
           </a:p>
@@ -5123,15 +7168,7 @@
           <a:p>
             <a:r>
               <a:rPr lang="en-AU" dirty="0" smtClean="0"/>
-              <a:t>Assumption: text can be divided into a number of discrete, </a:t>
-            </a:r>
-            <a:r>
-              <a:rPr lang="en-AU" dirty="0" smtClean="0"/>
-              <a:t>contiguous </a:t>
-            </a:r>
-            <a:r>
-              <a:rPr lang="en-AU" dirty="0" smtClean="0"/>
-              <a:t>sections</a:t>
+              <a:t>Assumption: text can be divided into a number of discrete, contiguous sections</a:t>
             </a:r>
           </a:p>
           <a:p>
@@ -5206,8 +7243,8 @@
           </a:p>
         </p:txBody>
       </p:sp>
-      <mc:AlternateContent xmlns:mc="http://schemas.openxmlformats.org/markup-compatibility/2006" xmlns:a14="http://schemas.microsoft.com/office/drawing/2010/main">
-        <mc:Choice Requires="a14">
+      <mc:AlternateContent xmlns:mc="http://schemas.openxmlformats.org/markup-compatibility/2006">
+        <mc:Choice xmlns:a14="http://schemas.microsoft.com/office/drawing/2010/main" Requires="a14">
           <p:sp>
             <p:nvSpPr>
               <p:cNvPr id="3" name="Text Placeholder 2"/>
@@ -5238,7 +7275,19 @@
                 <a:pPr lvl="1"/>
                 <a:r>
                   <a:rPr lang="en-AU" dirty="0" smtClean="0"/>
-                  <a:t>Create a BOW vector consisting of words from </a:t>
+                  <a:t>Create </a:t>
+                </a:r>
+                <a:r>
+                  <a:rPr lang="en-AU" dirty="0" smtClean="0"/>
+                  <a:t>two </a:t>
+                </a:r>
+                <a:r>
+                  <a:rPr lang="en-AU" dirty="0" smtClean="0"/>
+                  <a:t>BOW vectors </a:t>
+                </a:r>
+                <a:r>
+                  <a:rPr lang="en-AU" dirty="0" smtClean="0"/>
+                  <a:t>consisting of words from </a:t>
                 </a:r>
                 <a:r>
                   <a:rPr lang="en-AU" i="1" dirty="0" smtClean="0"/>
@@ -5280,7 +7329,7 @@
                 </a:r>
                 <a:r>
                   <a:rPr lang="en-AU" dirty="0" smtClean="0"/>
-                  <a:t>calculate a depth score, and insert boundaries when depth is greater than some threshold</a:t>
+                  <a:t>calculate a depth score, insert boundaries when depth is greater than some threshold</a:t>
                 </a:r>
                 <a:endParaRPr lang="en-AU" i="1" dirty="0" smtClean="0"/>
               </a:p>
@@ -5323,13 +7372,6 @@
                               </a:rPr>
                               <m:t>gap</m:t>
                             </m:r>
-                            <m:r>
-                              <m:rPr>
-                                <m:nor/>
-                              </m:rPr>
-                              <a:rPr lang="en-AU" dirty="0"/>
-                              <m:t> </m:t>
-                            </m:r>
                           </m:e>
                           <m:sub>
                             <m:r>
@@ -5362,13 +7404,6 @@
                             <a:latin typeface="Cambria Math"/>
                           </a:rPr>
                           <m:t>𝑠𝑖𝑚</m:t>
-                        </m:r>
-                        <m:r>
-                          <m:rPr>
-                            <m:nor/>
-                          </m:rPr>
-                          <a:rPr lang="en-AU" dirty="0"/>
-                          <m:t> </m:t>
                         </m:r>
                       </m:e>
                       <m:sub>
@@ -5406,13 +7441,6 @@
                             <a:latin typeface="Cambria Math"/>
                           </a:rPr>
                           <m:t>𝑠𝑖𝑚</m:t>
-                        </m:r>
-                        <m:r>
-                          <m:rPr>
-                            <m:nor/>
-                          </m:rPr>
-                          <a:rPr lang="en-AU" dirty="0"/>
-                          <m:t> </m:t>
                         </m:r>
                       </m:e>
                       <m:sub>
@@ -5453,13 +7481,6 @@
                           </a:rPr>
                           <m:t>𝑠𝑖𝑚</m:t>
                         </m:r>
-                        <m:r>
-                          <m:rPr>
-                            <m:nor/>
-                          </m:rPr>
-                          <a:rPr lang="en-AU" dirty="0"/>
-                          <m:t> </m:t>
-                        </m:r>
                       </m:e>
                       <m:sub>
                         <m:r>
@@ -5472,7 +7493,7 @@
                           <a:rPr lang="en-AU" b="0" i="1" smtClean="0">
                             <a:latin typeface="Cambria Math"/>
                           </a:rPr>
-                          <m:t>++1</m:t>
+                          <m:t>+1</m:t>
                         </m:r>
                       </m:sub>
                     </m:sSub>
@@ -5497,13 +7518,6 @@
                           </a:rPr>
                           <m:t>𝑠𝑖𝑚</m:t>
                         </m:r>
-                        <m:r>
-                          <m:rPr>
-                            <m:nor/>
-                          </m:rPr>
-                          <a:rPr lang="en-AU" dirty="0"/>
-                          <m:t> </m:t>
-                        </m:r>
                       </m:e>
                       <m:sub>
                         <m:r>
@@ -5524,7 +7538,7 @@
             </p:txBody>
           </p:sp>
         </mc:Choice>
-        <mc:Fallback xmlns="">
+        <mc:Fallback>
           <p:sp>
             <p:nvSpPr>
               <p:cNvPr id="3" name="Text Placeholder 2"/>
@@ -5539,7 +7553,7 @@
               <a:blipFill rotWithShape="1">
                 <a:blip r:embed="rId2"/>
                 <a:stretch>
-                  <a:fillRect l="-1450" t="-1016" r="-400"/>
+                  <a:fillRect l="-1450" t="-1016"/>
                 </a:stretch>
               </a:blipFill>
             </p:spPr>
@@ -6048,26 +8062,10 @@
             <a:r>
               <a:rPr lang="en-AU" dirty="0" smtClean="0">
                 <a:solidFill>
-                  <a:srgbClr val="00B050"/>
-                </a:solidFill>
-              </a:rPr>
-              <a:t>bik</a:t>
-            </a:r>
-            <a:r>
-              <a:rPr lang="en-AU" dirty="0" smtClean="0">
-                <a:solidFill>
-                  <a:srgbClr val="00B050"/>
-                </a:solidFill>
-              </a:rPr>
-              <a:t>e</a:t>
-            </a:r>
-            <a:r>
-              <a:rPr lang="en-AU" dirty="0" smtClean="0">
-                <a:solidFill>
-                  <a:srgbClr val="7030A0"/>
-                </a:solidFill>
-              </a:rPr>
-              <a:t> </a:t>
+                  <a:srgbClr val="C00000"/>
+                </a:solidFill>
+              </a:rPr>
+              <a:t>bike </a:t>
             </a:r>
             <a:r>
               <a:rPr lang="en-AU" dirty="0">
@@ -7039,8 +9037,13 @@
           <a:p>
             <a:r>
               <a:rPr lang="en-AU" dirty="0" smtClean="0"/>
-              <a:t>Apply a binary classifier  to classify boundaries</a:t>
-            </a:r>
+              <a:t>Apply a binary classifier to </a:t>
+            </a:r>
+            <a:r>
+              <a:rPr lang="en-AU" dirty="0" smtClean="0"/>
+              <a:t>identify boundaries</a:t>
+            </a:r>
+            <a:endParaRPr lang="en-AU" dirty="0" smtClean="0"/>
           </a:p>
           <a:p>
             <a:r>
@@ -7177,14 +9180,14 @@
               <a:buNone/>
             </a:pPr>
             <a:r>
-              <a:rPr lang="en-AU" dirty="0">
+              <a:rPr lang="en-AU" i="1" dirty="0">
                 <a:solidFill>
                   <a:schemeClr val="bg1"/>
                 </a:solidFill>
               </a:rPr>
               <a:t>Then he waited for another 20 minutes, but the tram didn’t come. </a:t>
             </a:r>
-            <a:endParaRPr lang="en-AU" dirty="0" smtClean="0">
+            <a:endParaRPr lang="en-AU" i="1" dirty="0" smtClean="0">
               <a:solidFill>
                 <a:schemeClr val="bg1"/>
               </a:solidFill>
@@ -7204,28 +9207,36 @@
               <a:t></a:t>
             </a:r>
             <a:r>
+              <a:rPr lang="en-AU" i="1" dirty="0" smtClean="0">
+                <a:solidFill>
+                  <a:schemeClr val="bg1"/>
+                </a:solidFill>
+              </a:rPr>
+              <a:t>The </a:t>
+            </a:r>
+            <a:r>
+              <a:rPr lang="en-AU" i="1" dirty="0">
+                <a:solidFill>
+                  <a:schemeClr val="bg1"/>
+                </a:solidFill>
+              </a:rPr>
+              <a:t>tram drivers were on strike that morning</a:t>
+            </a:r>
+            <a:r>
+              <a:rPr lang="en-AU" i="1" dirty="0" smtClean="0">
+                <a:solidFill>
+                  <a:schemeClr val="bg1"/>
+                </a:solidFill>
+              </a:rPr>
+              <a:t>.</a:t>
+            </a:r>
+            <a:r>
               <a:rPr lang="en-AU" dirty="0" smtClean="0">
                 <a:solidFill>
                   <a:schemeClr val="bg1"/>
                 </a:solidFill>
               </a:rPr>
-              <a:t>The </a:t>
-            </a:r>
-            <a:r>
-              <a:rPr lang="en-AU" dirty="0">
-                <a:solidFill>
-                  <a:schemeClr val="bg1"/>
-                </a:solidFill>
-              </a:rPr>
-              <a:t>tram drivers were on strike that morning</a:t>
-            </a:r>
-            <a:r>
-              <a:rPr lang="en-AU" dirty="0" smtClean="0">
-                <a:solidFill>
-                  <a:schemeClr val="bg1"/>
-                </a:solidFill>
-              </a:rPr>
-              <a:t>.</a:t>
+              <a:t/>
             </a:r>
             <a:br>
               <a:rPr lang="en-AU" dirty="0" smtClean="0">
@@ -7241,27 +9252,18 @@
                 </a:solidFill>
                 <a:sym typeface="Wingdings"/>
               </a:rPr>
-              <a:t> A platypus is a kind of </a:t>
-            </a:r>
-            <a:r>
-              <a:rPr lang="en-AU" dirty="0" err="1" smtClean="0">
+              <a:t> </a:t>
+            </a:r>
+            <a:r>
+              <a:rPr lang="en-AU" i="1" dirty="0" smtClean="0">
                 <a:solidFill>
                   <a:schemeClr val="bg1"/>
                 </a:solidFill>
                 <a:sym typeface="Wingdings"/>
               </a:rPr>
-              <a:t>monotreme</a:t>
-            </a:r>
-            <a:r>
-              <a:rPr lang="en-AU" dirty="0" smtClean="0">
-                <a:solidFill>
-                  <a:schemeClr val="bg1"/>
-                </a:solidFill>
-                <a:sym typeface="Wingdings"/>
-              </a:rPr>
-              <a:t>.</a:t>
-            </a:r>
-            <a:endParaRPr lang="en-AU" dirty="0" smtClean="0"/>
+              <a:t>His bike had a flat tire.</a:t>
+            </a:r>
+            <a:endParaRPr lang="en-AU" i="1" dirty="0" smtClean="0"/>
           </a:p>
           <a:p>
             <a:r>
@@ -7456,11 +9458,23 @@
             </a:pPr>
             <a:r>
               <a:rPr lang="en-AU" dirty="0" smtClean="0"/>
-              <a:t>23 relations, most having </a:t>
+              <a:t>23 relations, </a:t>
+            </a:r>
+            <a:r>
+              <a:rPr lang="en-AU" dirty="0" smtClean="0"/>
+              <a:t>most with a </a:t>
             </a:r>
             <a:r>
               <a:rPr lang="en-AU" i="1" dirty="0" smtClean="0"/>
-              <a:t>nucleus and satellite</a:t>
+              <a:t>nucleus </a:t>
+            </a:r>
+            <a:r>
+              <a:rPr lang="en-AU" dirty="0" smtClean="0"/>
+              <a:t>and</a:t>
+            </a:r>
+            <a:r>
+              <a:rPr lang="en-AU" i="1" dirty="0" smtClean="0"/>
+              <a:t> satellite</a:t>
             </a:r>
             <a:r>
               <a:rPr lang="en-AU" dirty="0" smtClean="0"/>

--- a/slides/WSTA_L13_discourse.pptx
+++ b/slides/WSTA_L13_discourse.pptx
@@ -894,7 +894,7 @@
           </a:ln>
           <a:extLst>
             <a:ext uri="{C572A759-6A51-4108-AA02-DFA0A04FC94B}">
-              <ma14:wrappingTextBoxFlag xmlns="" xmlns:ma14="http://schemas.microsoft.com/office/mac/drawingml/2011/main" val="1"/>
+              <ma14:wrappingTextBoxFlag xmlns:ma14="http://schemas.microsoft.com/office/mac/drawingml/2011/main" xmlns="" val="1"/>
             </a:ext>
           </a:extLst>
         </p:spPr>
@@ -2572,7 +2572,7 @@
           </a:ln>
           <a:extLst>
             <a:ext uri="{C572A759-6A51-4108-AA02-DFA0A04FC94B}">
-              <ma14:wrappingTextBoxFlag xmlns="" xmlns:ma14="http://schemas.microsoft.com/office/mac/drawingml/2011/main" val="1"/>
+              <ma14:wrappingTextBoxFlag xmlns:ma14="http://schemas.microsoft.com/office/mac/drawingml/2011/main" xmlns="" val="1"/>
             </a:ext>
           </a:extLst>
         </p:spPr>
@@ -2612,7 +2612,7 @@
           </a:ln>
           <a:extLst>
             <a:ext uri="{C572A759-6A51-4108-AA02-DFA0A04FC94B}">
-              <ma14:wrappingTextBoxFlag xmlns="" xmlns:ma14="http://schemas.microsoft.com/office/mac/drawingml/2011/main" val="1"/>
+              <ma14:wrappingTextBoxFlag xmlns:ma14="http://schemas.microsoft.com/office/mac/drawingml/2011/main" xmlns="" val="1"/>
             </a:ext>
           </a:extLst>
         </p:spPr>
@@ -3925,13 +3925,8 @@
           <a:p>
             <a:r>
               <a:rPr lang="en-AU" dirty="0" smtClean="0"/>
-              <a:t>However, </a:t>
-            </a:r>
-            <a:r>
-              <a:rPr lang="en-AU" dirty="0" smtClean="0"/>
-              <a:t>(another discourse marker!)</a:t>
-            </a:r>
-            <a:endParaRPr lang="en-AU" dirty="0" smtClean="0"/>
+              <a:t>However, (another discourse marker!)</a:t>
+            </a:r>
           </a:p>
           <a:p>
             <a:pPr lvl="1"/>
@@ -4091,15 +4086,7 @@
             <a:pPr lvl="1"/>
             <a:r>
               <a:rPr lang="en-AU" dirty="0" smtClean="0"/>
-              <a:t>Combine most probable </a:t>
-            </a:r>
-            <a:r>
-              <a:rPr lang="en-AU" dirty="0" smtClean="0"/>
-              <a:t>into </a:t>
-            </a:r>
-            <a:r>
-              <a:rPr lang="en-AU" dirty="0" smtClean="0"/>
-              <a:t>a single DU</a:t>
+              <a:t>Combine most probable into a single DU</a:t>
             </a:r>
           </a:p>
           <a:p>
@@ -4215,13 +4202,8 @@
           <a:p>
             <a:r>
               <a:rPr lang="en-AU" dirty="0" smtClean="0"/>
-              <a:t>L</a:t>
-            </a:r>
-            <a:r>
-              <a:rPr lang="en-AU" dirty="0" smtClean="0"/>
-              <a:t>ocation in the text</a:t>
-            </a:r>
-            <a:endParaRPr lang="en-AU" dirty="0" smtClean="0"/>
+              <a:t>Location in the text</a:t>
+            </a:r>
           </a:p>
           <a:p>
             <a:r>
@@ -5678,11 +5660,7 @@
             </a:r>
             <a:r>
               <a:rPr lang="en-AU" dirty="0" smtClean="0"/>
-              <a:t>) </a:t>
-            </a:r>
-            <a:r>
-              <a:rPr lang="en-AU" dirty="0" smtClean="0"/>
-              <a:t>must </a:t>
+              <a:t>) must </a:t>
             </a:r>
             <a:r>
               <a:rPr lang="en-AU" dirty="0"/>
@@ -7243,8 +7221,8 @@
           </a:p>
         </p:txBody>
       </p:sp>
-      <mc:AlternateContent xmlns:mc="http://schemas.openxmlformats.org/markup-compatibility/2006">
-        <mc:Choice xmlns:a14="http://schemas.microsoft.com/office/drawing/2010/main" Requires="a14">
+      <mc:AlternateContent xmlns:mc="http://schemas.openxmlformats.org/markup-compatibility/2006" xmlns:a14="http://schemas.microsoft.com/office/drawing/2010/main">
+        <mc:Choice Requires="a14">
           <p:sp>
             <p:nvSpPr>
               <p:cNvPr id="3" name="Text Placeholder 2"/>
@@ -7275,19 +7253,7 @@
                 <a:pPr lvl="1"/>
                 <a:r>
                   <a:rPr lang="en-AU" dirty="0" smtClean="0"/>
-                  <a:t>Create </a:t>
-                </a:r>
-                <a:r>
-                  <a:rPr lang="en-AU" dirty="0" smtClean="0"/>
-                  <a:t>two </a:t>
-                </a:r>
-                <a:r>
-                  <a:rPr lang="en-AU" dirty="0" smtClean="0"/>
-                  <a:t>BOW vectors </a:t>
-                </a:r>
-                <a:r>
-                  <a:rPr lang="en-AU" dirty="0" smtClean="0"/>
-                  <a:t>consisting of words from </a:t>
+                  <a:t>Create two BOW vectors consisting of words from </a:t>
                 </a:r>
                 <a:r>
                   <a:rPr lang="en-AU" i="1" dirty="0" smtClean="0"/>
@@ -7538,7 +7504,7 @@
             </p:txBody>
           </p:sp>
         </mc:Choice>
-        <mc:Fallback>
+        <mc:Fallback xmlns="">
           <p:sp>
             <p:nvSpPr>
               <p:cNvPr id="3" name="Text Placeholder 2"/>
@@ -9037,13 +9003,8 @@
           <a:p>
             <a:r>
               <a:rPr lang="en-AU" dirty="0" smtClean="0"/>
-              <a:t>Apply a binary classifier to </a:t>
-            </a:r>
-            <a:r>
-              <a:rPr lang="en-AU" dirty="0" smtClean="0"/>
-              <a:t>identify boundaries</a:t>
-            </a:r>
-            <a:endParaRPr lang="en-AU" dirty="0" smtClean="0"/>
+              <a:t>Apply a binary classifier to identify boundaries</a:t>
+            </a:r>
           </a:p>
           <a:p>
             <a:r>
@@ -9458,11 +9419,7 @@
             </a:pPr>
             <a:r>
               <a:rPr lang="en-AU" dirty="0" smtClean="0"/>
-              <a:t>23 relations, </a:t>
-            </a:r>
-            <a:r>
-              <a:rPr lang="en-AU" dirty="0" smtClean="0"/>
-              <a:t>most with a </a:t>
+              <a:t>23 relations, most with a </a:t>
             </a:r>
             <a:r>
               <a:rPr lang="en-AU" i="1" dirty="0" smtClean="0"/>

--- a/slides/WSTA_L13_discourse.pptx
+++ b/slides/WSTA_L13_discourse.pptx
@@ -894,7 +894,7 @@
           </a:ln>
           <a:extLst>
             <a:ext uri="{C572A759-6A51-4108-AA02-DFA0A04FC94B}">
-              <ma14:wrappingTextBoxFlag xmlns:ma14="http://schemas.microsoft.com/office/mac/drawingml/2011/main" xmlns="" val="1"/>
+              <ma14:wrappingTextBoxFlag xmlns="" xmlns:ma14="http://schemas.microsoft.com/office/mac/drawingml/2011/main" val="1"/>
             </a:ext>
           </a:extLst>
         </p:spPr>
@@ -2572,7 +2572,7 @@
           </a:ln>
           <a:extLst>
             <a:ext uri="{C572A759-6A51-4108-AA02-DFA0A04FC94B}">
-              <ma14:wrappingTextBoxFlag xmlns:ma14="http://schemas.microsoft.com/office/mac/drawingml/2011/main" xmlns="" val="1"/>
+              <ma14:wrappingTextBoxFlag xmlns="" xmlns:ma14="http://schemas.microsoft.com/office/mac/drawingml/2011/main" val="1"/>
             </a:ext>
           </a:extLst>
         </p:spPr>
@@ -2612,7 +2612,7 @@
           </a:ln>
           <a:extLst>
             <a:ext uri="{C572A759-6A51-4108-AA02-DFA0A04FC94B}">
-              <ma14:wrappingTextBoxFlag xmlns:ma14="http://schemas.microsoft.com/office/mac/drawingml/2011/main" xmlns="" val="1"/>
+              <ma14:wrappingTextBoxFlag xmlns="" xmlns:ma14="http://schemas.microsoft.com/office/mac/drawingml/2011/main" val="1"/>
             </a:ext>
           </a:extLst>
         </p:spPr>
@@ -6954,7 +6954,15 @@
             </a:r>
             <a:r>
               <a:rPr lang="en-AU" dirty="0" smtClean="0"/>
-              <a:t> 21.1-21.3 , 21.5-21.6</a:t>
+              <a:t> </a:t>
+            </a:r>
+            <a:r>
+              <a:rPr lang="en-AU" dirty="0" smtClean="0"/>
+              <a:t>21.1-21.3, </a:t>
+            </a:r>
+            <a:r>
+              <a:rPr lang="en-AU" dirty="0" smtClean="0"/>
+              <a:t>21.5-21.6</a:t>
             </a:r>
           </a:p>
           <a:p>

--- a/slides/WSTA_L13_discourse.pptx
+++ b/slides/WSTA_L13_discourse.pptx
@@ -894,7 +894,7 @@
           </a:ln>
           <a:extLst>
             <a:ext uri="{C572A759-6A51-4108-AA02-DFA0A04FC94B}">
-              <ma14:wrappingTextBoxFlag xmlns="" xmlns:ma14="http://schemas.microsoft.com/office/mac/drawingml/2011/main" val="1"/>
+              <ma14:wrappingTextBoxFlag xmlns:ma14="http://schemas.microsoft.com/office/mac/drawingml/2011/main" xmlns="" val="1"/>
             </a:ext>
           </a:extLst>
         </p:spPr>
@@ -2572,7 +2572,7 @@
           </a:ln>
           <a:extLst>
             <a:ext uri="{C572A759-6A51-4108-AA02-DFA0A04FC94B}">
-              <ma14:wrappingTextBoxFlag xmlns="" xmlns:ma14="http://schemas.microsoft.com/office/mac/drawingml/2011/main" val="1"/>
+              <ma14:wrappingTextBoxFlag xmlns:ma14="http://schemas.microsoft.com/office/mac/drawingml/2011/main" xmlns="" val="1"/>
             </a:ext>
           </a:extLst>
         </p:spPr>
@@ -2612,7 +2612,7 @@
           </a:ln>
           <a:extLst>
             <a:ext uri="{C572A759-6A51-4108-AA02-DFA0A04FC94B}">
-              <ma14:wrappingTextBoxFlag xmlns="" xmlns:ma14="http://schemas.microsoft.com/office/mac/drawingml/2011/main" val="1"/>
+              <ma14:wrappingTextBoxFlag xmlns:ma14="http://schemas.microsoft.com/office/mac/drawingml/2011/main" xmlns="" val="1"/>
             </a:ext>
           </a:extLst>
         </p:spPr>
@@ -5435,19 +5435,19 @@
           <a:p>
             <a:pPr lvl="1"/>
             <a:r>
-              <a:rPr lang="en-AU" dirty="0" err="1"/>
+              <a:rPr lang="en-AU" smtClean="0"/>
               <a:t>C</a:t>
             </a:r>
             <a:r>
               <a:rPr lang="en-AU" baseline="-25000" dirty="0" err="1"/>
-              <a:t>b</a:t>
-            </a:r>
-            <a:r>
-              <a:rPr lang="en-AU" dirty="0"/>
+              <a:t>p</a:t>
+            </a:r>
+            <a:r>
+              <a:rPr lang="en-AU" smtClean="0"/>
               <a:t>(U</a:t>
             </a:r>
             <a:r>
-              <a:rPr lang="en-AU" baseline="-25000" dirty="0"/>
+              <a:rPr lang="en-AU" baseline="-25000" smtClean="0"/>
               <a:t>n</a:t>
             </a:r>
             <a:r>
@@ -6954,15 +6954,7 @@
             </a:r>
             <a:r>
               <a:rPr lang="en-AU" dirty="0" smtClean="0"/>
-              <a:t> </a:t>
-            </a:r>
-            <a:r>
-              <a:rPr lang="en-AU" dirty="0" smtClean="0"/>
-              <a:t>21.1-21.3, </a:t>
-            </a:r>
-            <a:r>
-              <a:rPr lang="en-AU" dirty="0" smtClean="0"/>
-              <a:t>21.5-21.6</a:t>
+              <a:t> 21.1-21.3, 21.5-21.6</a:t>
             </a:r>
           </a:p>
           <a:p>
